--- a/slides/07_chatbots.pptx
+++ b/slides/07_chatbots.pptx
@@ -5,17 +5,18 @@
     <p:sldMasterId id="2147483712" r:id="rId1"/>
   </p:sldMasterIdLst>
   <p:notesMasterIdLst>
-    <p:notesMasterId r:id="rId7"/>
+    <p:notesMasterId r:id="rId8"/>
   </p:notesMasterIdLst>
   <p:handoutMasterIdLst>
-    <p:handoutMasterId r:id="rId8"/>
+    <p:handoutMasterId r:id="rId9"/>
   </p:handoutMasterIdLst>
   <p:sldIdLst>
     <p:sldId id="257" r:id="rId2"/>
     <p:sldId id="261" r:id="rId3"/>
     <p:sldId id="263" r:id="rId4"/>
     <p:sldId id="262" r:id="rId5"/>
-    <p:sldId id="264" r:id="rId6"/>
+    <p:sldId id="265" r:id="rId6"/>
+    <p:sldId id="264" r:id="rId7"/>
   </p:sldIdLst>
   <p:sldSz cx="12192000" cy="6858000"/>
   <p:notesSz cx="6858000" cy="9144000"/>
@@ -116,10 +117,21 @@
   </p:defaultTextStyle>
   <p:extLst>
     <p:ext uri="{EFAFB233-063F-42B5-8137-9DF3F51BA10A}">
-      <p15:sldGuideLst xmlns="" xmlns:p15="http://schemas.microsoft.com/office/powerpoint/2012/main"/>
+      <p15:sldGuideLst xmlns:p15="http://schemas.microsoft.com/office/powerpoint/2012/main">
+        <p15:guide id="1" orient="horz" pos="2160">
+          <p15:clr>
+            <a:srgbClr val="A4A3A4"/>
+          </p15:clr>
+        </p15:guide>
+        <p15:guide id="2" pos="3840">
+          <p15:clr>
+            <a:srgbClr val="A4A3A4"/>
+          </p15:clr>
+        </p15:guide>
+      </p15:sldGuideLst>
     </p:ext>
     <p:ext uri="{2D200454-40CA-4A62-9FC3-DE9A4176ACB9}">
-      <p15:notesGuideLst xmlns="" xmlns:p15="http://schemas.microsoft.com/office/powerpoint/2012/main"/>
+      <p15:notesGuideLst xmlns:p15="http://schemas.microsoft.com/office/powerpoint/2012/main"/>
     </p:ext>
   </p:extLst>
 </p:presentation>
@@ -895,10 +907,9 @@
         <a:p>
           <a:pPr rtl="0"/>
           <a:r>
-            <a:rPr lang="de-DE" dirty="0" smtClean="0"/>
+            <a:rPr lang="de-DE" dirty="0"/>
             <a:t>Für welche Zwecke sind starre und für welche flexible Parser hilfreich?</a:t>
           </a:r>
-          <a:endParaRPr lang="de-DE" dirty="0"/>
         </a:p>
       </dgm:t>
     </dgm:pt>
@@ -933,10 +944,9 @@
         <a:p>
           <a:pPr rtl="0"/>
           <a:r>
-            <a:rPr lang="de-DE" dirty="0" smtClean="0"/>
+            <a:rPr lang="de-DE" dirty="0"/>
             <a:t>Wie kompliziert sind die jeweiligen Vorgehen umzusetzen?</a:t>
           </a:r>
-          <a:endParaRPr lang="de-DE" dirty="0"/>
         </a:p>
       </dgm:t>
     </dgm:pt>
@@ -971,10 +981,9 @@
         <a:p>
           <a:pPr rtl="0"/>
           <a:r>
-            <a:rPr lang="de-DE" dirty="0" smtClean="0"/>
+            <a:rPr lang="de-DE" dirty="0"/>
             <a:t>Wie gut sind beide Ansätze zu warten?</a:t>
           </a:r>
-          <a:endParaRPr lang="de-DE" dirty="0"/>
         </a:p>
       </dgm:t>
     </dgm:pt>
@@ -1009,10 +1018,9 @@
         <a:p>
           <a:pPr rtl="0"/>
           <a:r>
-            <a:rPr lang="de-DE" dirty="0" smtClean="0"/>
+            <a:rPr lang="de-DE" dirty="0"/>
             <a:t>Wie ist deren Performance?</a:t>
           </a:r>
-          <a:endParaRPr lang="de-DE" dirty="0"/>
         </a:p>
       </dgm:t>
     </dgm:pt>
@@ -1047,10 +1055,9 @@
         <a:p>
           <a:pPr rtl="0"/>
           <a:r>
-            <a:rPr lang="de-DE" dirty="0" smtClean="0"/>
+            <a:rPr lang="de-DE" dirty="0"/>
             <a:t>Klare Aufgabenstellung</a:t>
           </a:r>
-          <a:endParaRPr lang="de-DE" dirty="0"/>
         </a:p>
       </dgm:t>
     </dgm:pt>
@@ -1085,10 +1092,9 @@
         <a:p>
           <a:pPr rtl="0"/>
           <a:r>
-            <a:rPr lang="de-DE" dirty="0" smtClean="0"/>
+            <a:rPr lang="de-DE" dirty="0"/>
             <a:t>Längere Konversationen</a:t>
           </a:r>
-          <a:endParaRPr lang="de-DE" dirty="0"/>
         </a:p>
       </dgm:t>
     </dgm:pt>
@@ -1123,10 +1129,9 @@
         <a:p>
           <a:pPr rtl="0"/>
           <a:r>
-            <a:rPr lang="de-DE" dirty="0" smtClean="0"/>
+            <a:rPr lang="de-DE" dirty="0"/>
             <a:t>Smalltalk</a:t>
           </a:r>
-          <a:endParaRPr lang="de-DE" dirty="0"/>
         </a:p>
       </dgm:t>
     </dgm:pt>
@@ -1161,10 +1166,9 @@
         <a:p>
           <a:pPr rtl="0"/>
           <a:r>
-            <a:rPr lang="de-DE" dirty="0" smtClean="0"/>
+            <a:rPr lang="de-DE" dirty="0"/>
             <a:t>Wie genau muss die Konversation vorbestimmt werden?</a:t>
           </a:r>
-          <a:endParaRPr lang="de-DE" dirty="0"/>
         </a:p>
       </dgm:t>
     </dgm:pt>
@@ -1199,10 +1203,9 @@
         <a:p>
           <a:pPr rtl="0"/>
           <a:r>
-            <a:rPr lang="de-DE" dirty="0" smtClean="0"/>
+            <a:rPr lang="de-DE" dirty="0"/>
             <a:t>Wie schwer ist es eine weitere Sprache hinzuzufügen?</a:t>
           </a:r>
-          <a:endParaRPr lang="de-DE" dirty="0"/>
         </a:p>
       </dgm:t>
     </dgm:pt>
@@ -1237,10 +1240,9 @@
         <a:p>
           <a:pPr rtl="0"/>
           <a:r>
-            <a:rPr lang="de-DE" dirty="0" smtClean="0"/>
+            <a:rPr lang="de-DE" dirty="0"/>
             <a:t>Wie können Trainingsdaten / Dialoge erweitert werden?</a:t>
           </a:r>
-          <a:endParaRPr lang="de-DE" dirty="0"/>
         </a:p>
       </dgm:t>
     </dgm:pt>
@@ -1275,18 +1277,17 @@
         <a:p>
           <a:pPr rtl="0"/>
           <a:r>
-            <a:rPr lang="de-DE" dirty="0" smtClean="0"/>
+            <a:rPr lang="de-DE" dirty="0"/>
             <a:t>Wie prüfe ich die Güte meines </a:t>
           </a:r>
           <a:r>
-            <a:rPr lang="de-DE" dirty="0" err="1" smtClean="0"/>
+            <a:rPr lang="de-DE" dirty="0" err="1"/>
             <a:t>Chatbots</a:t>
           </a:r>
           <a:r>
-            <a:rPr lang="de-DE" dirty="0" smtClean="0"/>
+            <a:rPr lang="de-DE" dirty="0"/>
             <a:t>?</a:t>
           </a:r>
-          <a:endParaRPr lang="de-DE" dirty="0"/>
         </a:p>
       </dgm:t>
     </dgm:pt>
@@ -1321,10 +1322,9 @@
         <a:p>
           <a:pPr rtl="0"/>
           <a:r>
-            <a:rPr lang="de-DE" dirty="0" smtClean="0"/>
+            <a:rPr lang="de-DE" dirty="0"/>
             <a:t>Wie lange dauert es eine Antwort zu generieren?</a:t>
           </a:r>
-          <a:endParaRPr lang="de-DE" dirty="0"/>
         </a:p>
       </dgm:t>
     </dgm:pt>
@@ -1359,10 +1359,9 @@
         <a:p>
           <a:pPr rtl="0"/>
           <a:r>
-            <a:rPr lang="de-DE" dirty="0" smtClean="0"/>
+            <a:rPr lang="de-DE" dirty="0"/>
             <a:t>Wie lange dauert es den Dialog vorzubereiten?</a:t>
           </a:r>
-          <a:endParaRPr lang="de-DE" dirty="0"/>
         </a:p>
       </dgm:t>
     </dgm:pt>
@@ -1397,13 +1396,6 @@
         </dgm:presLayoutVars>
       </dgm:prSet>
       <dgm:spPr/>
-      <dgm:t>
-        <a:bodyPr/>
-        <a:lstStyle/>
-        <a:p>
-          <a:endParaRPr lang="de-DE"/>
-        </a:p>
-      </dgm:t>
     </dgm:pt>
     <dgm:pt modelId="{DAB667DA-2BCF-4951-BB7A-544BBA27C875}" type="pres">
       <dgm:prSet presAssocID="{350FB2D6-5256-4D46-B792-8904CD9F8543}" presName="composite" presStyleCnt="0"/>
@@ -1418,13 +1410,6 @@
         </dgm:presLayoutVars>
       </dgm:prSet>
       <dgm:spPr/>
-      <dgm:t>
-        <a:bodyPr/>
-        <a:lstStyle/>
-        <a:p>
-          <a:endParaRPr lang="de-DE"/>
-        </a:p>
-      </dgm:t>
     </dgm:pt>
     <dgm:pt modelId="{E9DFEE38-3C4D-4AED-BBB3-EEE240539EAA}" type="pres">
       <dgm:prSet presAssocID="{350FB2D6-5256-4D46-B792-8904CD9F8543}" presName="desTx" presStyleLbl="alignAccFollowNode1" presStyleIdx="0" presStyleCnt="4">
@@ -1433,13 +1418,6 @@
         </dgm:presLayoutVars>
       </dgm:prSet>
       <dgm:spPr/>
-      <dgm:t>
-        <a:bodyPr/>
-        <a:lstStyle/>
-        <a:p>
-          <a:endParaRPr lang="de-DE"/>
-        </a:p>
-      </dgm:t>
     </dgm:pt>
     <dgm:pt modelId="{75B9C5EE-C39C-4EB1-BF8C-ADA35D02D242}" type="pres">
       <dgm:prSet presAssocID="{F872CF9B-58DF-4BB2-8AE9-6FFDC071390C}" presName="space" presStyleCnt="0"/>
@@ -1458,13 +1436,6 @@
         </dgm:presLayoutVars>
       </dgm:prSet>
       <dgm:spPr/>
-      <dgm:t>
-        <a:bodyPr/>
-        <a:lstStyle/>
-        <a:p>
-          <a:endParaRPr lang="de-DE"/>
-        </a:p>
-      </dgm:t>
     </dgm:pt>
     <dgm:pt modelId="{897ACDA3-978D-434D-91AE-6B356E89C732}" type="pres">
       <dgm:prSet presAssocID="{94FCA0AB-0E1E-4CB8-9AB9-02AD2D78B33B}" presName="desTx" presStyleLbl="alignAccFollowNode1" presStyleIdx="1" presStyleCnt="4">
@@ -1473,13 +1444,6 @@
         </dgm:presLayoutVars>
       </dgm:prSet>
       <dgm:spPr/>
-      <dgm:t>
-        <a:bodyPr/>
-        <a:lstStyle/>
-        <a:p>
-          <a:endParaRPr lang="de-DE"/>
-        </a:p>
-      </dgm:t>
     </dgm:pt>
     <dgm:pt modelId="{DA971986-0D0C-4376-AD81-B355A6C21C1C}" type="pres">
       <dgm:prSet presAssocID="{458EB493-5AA2-4DB8-AC13-62C377934DF9}" presName="space" presStyleCnt="0"/>
@@ -1498,13 +1462,6 @@
         </dgm:presLayoutVars>
       </dgm:prSet>
       <dgm:spPr/>
-      <dgm:t>
-        <a:bodyPr/>
-        <a:lstStyle/>
-        <a:p>
-          <a:endParaRPr lang="de-DE"/>
-        </a:p>
-      </dgm:t>
     </dgm:pt>
     <dgm:pt modelId="{D0A2AB79-99DC-48EA-994D-89820C0BEAD4}" type="pres">
       <dgm:prSet presAssocID="{D11381E2-67BB-4B08-A2F1-288AA2CE2215}" presName="desTx" presStyleLbl="alignAccFollowNode1" presStyleIdx="2" presStyleCnt="4">
@@ -1513,13 +1470,6 @@
         </dgm:presLayoutVars>
       </dgm:prSet>
       <dgm:spPr/>
-      <dgm:t>
-        <a:bodyPr/>
-        <a:lstStyle/>
-        <a:p>
-          <a:endParaRPr lang="de-DE"/>
-        </a:p>
-      </dgm:t>
     </dgm:pt>
     <dgm:pt modelId="{1358CCFB-6228-4F67-8F25-048781DDC91D}" type="pres">
       <dgm:prSet presAssocID="{D13DE3D1-9ECE-4BE7-B8DE-D9F1219704E1}" presName="space" presStyleCnt="0"/>
@@ -1538,13 +1488,6 @@
         </dgm:presLayoutVars>
       </dgm:prSet>
       <dgm:spPr/>
-      <dgm:t>
-        <a:bodyPr/>
-        <a:lstStyle/>
-        <a:p>
-          <a:endParaRPr lang="de-DE"/>
-        </a:p>
-      </dgm:t>
     </dgm:pt>
     <dgm:pt modelId="{2546BFE7-FE10-42FB-8239-BE4264327805}" type="pres">
       <dgm:prSet presAssocID="{68D02E21-0F7A-40CF-927B-C81EEF65FAB1}" presName="desTx" presStyleLbl="alignAccFollowNode1" presStyleIdx="3" presStyleCnt="4">
@@ -1553,43 +1496,36 @@
         </dgm:presLayoutVars>
       </dgm:prSet>
       <dgm:spPr/>
-      <dgm:t>
-        <a:bodyPr/>
-        <a:lstStyle/>
-        <a:p>
-          <a:endParaRPr lang="de-DE"/>
-        </a:p>
-      </dgm:t>
     </dgm:pt>
   </dgm:ptLst>
   <dgm:cxnLst>
-    <dgm:cxn modelId="{6FA913C7-8512-4A8A-ADCE-A4E5C461CA65}" type="presOf" srcId="{7F6EA5B6-E486-44B2-BEE6-3929BB884B8C}" destId="{D0A2AB79-99DC-48EA-994D-89820C0BEAD4}" srcOrd="0" destOrd="1" presId="urn:microsoft.com/office/officeart/2005/8/layout/hList1"/>
+    <dgm:cxn modelId="{74CB8004-A455-4926-B644-FD12BDB903BB}" type="presOf" srcId="{522F04E5-0A54-407D-9520-84779C82677E}" destId="{712D7E2F-3263-41AC-9E6A-6015180B7292}" srcOrd="0" destOrd="0" presId="urn:microsoft.com/office/officeart/2005/8/layout/hList1"/>
+    <dgm:cxn modelId="{5F464D07-1F86-4157-B71B-9DE3215E43E3}" srcId="{522F04E5-0A54-407D-9520-84779C82677E}" destId="{D11381E2-67BB-4B08-A2F1-288AA2CE2215}" srcOrd="2" destOrd="0" parTransId="{19E0AAC7-2590-47B7-8473-0BCBB2DDADC7}" sibTransId="{D13DE3D1-9ECE-4BE7-B8DE-D9F1219704E1}"/>
+    <dgm:cxn modelId="{49616408-8A5A-46EA-9E0B-C642469A5D0D}" type="presOf" srcId="{350FB2D6-5256-4D46-B792-8904CD9F8543}" destId="{996816A4-3F3A-4642-A41E-7EE8F82AE2A2}" srcOrd="0" destOrd="0" presId="urn:microsoft.com/office/officeart/2005/8/layout/hList1"/>
+    <dgm:cxn modelId="{9395170E-8973-4E7E-8282-25B62E44C168}" srcId="{522F04E5-0A54-407D-9520-84779C82677E}" destId="{94FCA0AB-0E1E-4CB8-9AB9-02AD2D78B33B}" srcOrd="1" destOrd="0" parTransId="{B3A0D3F3-406C-48E4-AB52-6B29230B884B}" sibTransId="{458EB493-5AA2-4DB8-AC13-62C377934DF9}"/>
+    <dgm:cxn modelId="{1E5F191B-5B96-411A-AF58-925B5E4F4EBC}" type="presOf" srcId="{807D4D86-D4C6-494D-97EA-497FCC338A75}" destId="{D0A2AB79-99DC-48EA-994D-89820C0BEAD4}" srcOrd="0" destOrd="0" presId="urn:microsoft.com/office/officeart/2005/8/layout/hList1"/>
+    <dgm:cxn modelId="{BE26E82A-B5DF-4D3F-BCDF-ED1B93FC9357}" srcId="{68D02E21-0F7A-40CF-927B-C81EEF65FAB1}" destId="{31ADE1AC-1A60-4665-98FA-AF493E25C3AF}" srcOrd="1" destOrd="0" parTransId="{B0DFE65B-528C-4197-8394-4D0B911B9ACF}" sibTransId="{F3DCA45D-558D-483C-8B1C-82DA15AE1009}"/>
+    <dgm:cxn modelId="{B97E7A6B-A9F4-46E7-8063-1C3952AD6B6D}" srcId="{522F04E5-0A54-407D-9520-84779C82677E}" destId="{350FB2D6-5256-4D46-B792-8904CD9F8543}" srcOrd="0" destOrd="0" parTransId="{2529D0CB-15FB-4B10-9FD2-BDE6D2701B36}" sibTransId="{F872CF9B-58DF-4BB2-8AE9-6FFDC071390C}"/>
+    <dgm:cxn modelId="{C0BA9A70-5FCB-420A-9A65-A3786E206840}" type="presOf" srcId="{BBDE9BA8-C076-45CA-BDBF-985EDCC20658}" destId="{E9DFEE38-3C4D-4AED-BBB3-EEE240539EAA}" srcOrd="0" destOrd="1" presId="urn:microsoft.com/office/officeart/2005/8/layout/hList1"/>
+    <dgm:cxn modelId="{8F120D54-90DF-492F-A3EA-AED1E0F3A9D3}" srcId="{D11381E2-67BB-4B08-A2F1-288AA2CE2215}" destId="{807D4D86-D4C6-494D-97EA-497FCC338A75}" srcOrd="0" destOrd="0" parTransId="{FAB24B19-3424-436A-88B8-6F9E537347EF}" sibTransId="{251900D6-5C74-4C9A-AFF6-5F61D9FA4C10}"/>
     <dgm:cxn modelId="{D9A51177-6967-41C0-8CBF-F84AD88F1C52}" type="presOf" srcId="{31ADE1AC-1A60-4665-98FA-AF493E25C3AF}" destId="{2546BFE7-FE10-42FB-8239-BE4264327805}" srcOrd="0" destOrd="1" presId="urn:microsoft.com/office/officeart/2005/8/layout/hList1"/>
-    <dgm:cxn modelId="{1E5F191B-5B96-411A-AF58-925B5E4F4EBC}" type="presOf" srcId="{807D4D86-D4C6-494D-97EA-497FCC338A75}" destId="{D0A2AB79-99DC-48EA-994D-89820C0BEAD4}" srcOrd="0" destOrd="0" presId="urn:microsoft.com/office/officeart/2005/8/layout/hList1"/>
-    <dgm:cxn modelId="{02BDF4CA-FD14-45AC-A763-6E1977B5E89B}" type="presOf" srcId="{1E81A642-D3BD-4B03-BB38-C84C5E565697}" destId="{E9DFEE38-3C4D-4AED-BBB3-EEE240539EAA}" srcOrd="0" destOrd="0" presId="urn:microsoft.com/office/officeart/2005/8/layout/hList1"/>
-    <dgm:cxn modelId="{5B3CF1BE-F020-4B46-9475-E694179B8B43}" srcId="{350FB2D6-5256-4D46-B792-8904CD9F8543}" destId="{1E81A642-D3BD-4B03-BB38-C84C5E565697}" srcOrd="0" destOrd="0" parTransId="{22EC6474-3FFE-47A1-8243-30A1D1EDFD28}" sibTransId="{045CAC52-6CAB-4D0E-8365-18E779F4CB01}"/>
-    <dgm:cxn modelId="{42BA18A6-1C80-4213-9539-DDDAF25F5CC3}" type="presOf" srcId="{94FCA0AB-0E1E-4CB8-9AB9-02AD2D78B33B}" destId="{D0A87682-ED03-4F98-B992-41401FA91961}" srcOrd="0" destOrd="0" presId="urn:microsoft.com/office/officeart/2005/8/layout/hList1"/>
+    <dgm:cxn modelId="{C45C8557-9B23-460B-80E4-86EF288D813E}" srcId="{350FB2D6-5256-4D46-B792-8904CD9F8543}" destId="{BBDE9BA8-C076-45CA-BDBF-985EDCC20658}" srcOrd="1" destOrd="0" parTransId="{AD0F2E9D-483F-41AF-BE0D-103177F8DE51}" sibTransId="{9801B716-FBF8-4C28-BFDE-905A998F36AD}"/>
+    <dgm:cxn modelId="{D7FB9679-0B72-4132-B627-035A2E0F349A}" srcId="{350FB2D6-5256-4D46-B792-8904CD9F8543}" destId="{E6DB142E-ED66-4C1D-A5BB-17026D5FD8A6}" srcOrd="2" destOrd="0" parTransId="{B673AA46-5198-4799-9597-9AAC81ADB18C}" sibTransId="{CB1D4CB7-CA89-4AAF-BFE6-1FFE313E73DB}"/>
+    <dgm:cxn modelId="{E2A6955A-7379-4472-B85F-F33FB593BBF7}" type="presOf" srcId="{E6DB142E-ED66-4C1D-A5BB-17026D5FD8A6}" destId="{E9DFEE38-3C4D-4AED-BBB3-EEE240539EAA}" srcOrd="0" destOrd="2" presId="urn:microsoft.com/office/officeart/2005/8/layout/hList1"/>
     <dgm:cxn modelId="{1FE0A381-13CA-4464-B2FB-980A9F02BF3B}" srcId="{D11381E2-67BB-4B08-A2F1-288AA2CE2215}" destId="{7F6EA5B6-E486-44B2-BEE6-3929BB884B8C}" srcOrd="1" destOrd="0" parTransId="{1B7BC553-F4DB-4D0C-B869-F975CF21460E}" sibTransId="{E41DFD78-28F3-49D3-9E2A-BD75B4C3B1EF}"/>
+    <dgm:cxn modelId="{D8C52882-9341-4E15-B754-6711303ACEC1}" srcId="{522F04E5-0A54-407D-9520-84779C82677E}" destId="{68D02E21-0F7A-40CF-927B-C81EEF65FAB1}" srcOrd="3" destOrd="0" parTransId="{169CED87-DFF5-4019-95ED-1FF0CD51DD87}" sibTransId="{5499E1DA-28A2-4EB8-8DCA-3425CA758F85}"/>
     <dgm:cxn modelId="{CD2F4882-65AC-4DDF-AD7E-18E009E41810}" type="presOf" srcId="{68D02E21-0F7A-40CF-927B-C81EEF65FAB1}" destId="{0C775F3B-64EC-45D4-86C1-EF07E116ABBC}" srcOrd="0" destOrd="0" presId="urn:microsoft.com/office/officeart/2005/8/layout/hList1"/>
     <dgm:cxn modelId="{5493BDA4-45B7-408D-AF16-DE158A244190}" srcId="{94FCA0AB-0E1E-4CB8-9AB9-02AD2D78B33B}" destId="{C6213A8C-F8AF-4DDC-8C17-44FF559601F5}" srcOrd="1" destOrd="0" parTransId="{D5054400-14FD-435E-8D43-10FA75AFF9DB}" sibTransId="{F6BD306A-7281-4848-993E-EBE825B985AF}"/>
-    <dgm:cxn modelId="{BE26E82A-B5DF-4D3F-BCDF-ED1B93FC9357}" srcId="{68D02E21-0F7A-40CF-927B-C81EEF65FAB1}" destId="{31ADE1AC-1A60-4665-98FA-AF493E25C3AF}" srcOrd="1" destOrd="0" parTransId="{B0DFE65B-528C-4197-8394-4D0B911B9ACF}" sibTransId="{F3DCA45D-558D-483C-8B1C-82DA15AE1009}"/>
-    <dgm:cxn modelId="{C45C8557-9B23-460B-80E4-86EF288D813E}" srcId="{350FB2D6-5256-4D46-B792-8904CD9F8543}" destId="{BBDE9BA8-C076-45CA-BDBF-985EDCC20658}" srcOrd="1" destOrd="0" parTransId="{AD0F2E9D-483F-41AF-BE0D-103177F8DE51}" sibTransId="{9801B716-FBF8-4C28-BFDE-905A998F36AD}"/>
+    <dgm:cxn modelId="{42BA18A6-1C80-4213-9539-DDDAF25F5CC3}" type="presOf" srcId="{94FCA0AB-0E1E-4CB8-9AB9-02AD2D78B33B}" destId="{D0A87682-ED03-4F98-B992-41401FA91961}" srcOrd="0" destOrd="0" presId="urn:microsoft.com/office/officeart/2005/8/layout/hList1"/>
+    <dgm:cxn modelId="{DE23D6B2-1D38-4A05-9953-4E3E84BB416D}" srcId="{94FCA0AB-0E1E-4CB8-9AB9-02AD2D78B33B}" destId="{3C7A6B06-EA52-4EE6-9AD7-C758B36A895C}" srcOrd="0" destOrd="0" parTransId="{52843447-DEB7-4E68-BB2B-E113FC0CEAB4}" sibTransId="{EDDBAC80-DD92-48CC-BC5F-8AB71C482026}"/>
+    <dgm:cxn modelId="{5B3CF1BE-F020-4B46-9475-E694179B8B43}" srcId="{350FB2D6-5256-4D46-B792-8904CD9F8543}" destId="{1E81A642-D3BD-4B03-BB38-C84C5E565697}" srcOrd="0" destOrd="0" parTransId="{22EC6474-3FFE-47A1-8243-30A1D1EDFD28}" sibTransId="{045CAC52-6CAB-4D0E-8365-18E779F4CB01}"/>
+    <dgm:cxn modelId="{2BE809C5-6A4C-4947-8C52-B3ACD558C181}" type="presOf" srcId="{FE47FF0A-07CE-4014-86B5-3A03BA12E313}" destId="{2546BFE7-FE10-42FB-8239-BE4264327805}" srcOrd="0" destOrd="0" presId="urn:microsoft.com/office/officeart/2005/8/layout/hList1"/>
+    <dgm:cxn modelId="{6FA913C7-8512-4A8A-ADCE-A4E5C461CA65}" type="presOf" srcId="{7F6EA5B6-E486-44B2-BEE6-3929BB884B8C}" destId="{D0A2AB79-99DC-48EA-994D-89820C0BEAD4}" srcOrd="0" destOrd="1" presId="urn:microsoft.com/office/officeart/2005/8/layout/hList1"/>
+    <dgm:cxn modelId="{02BDF4CA-FD14-45AC-A763-6E1977B5E89B}" type="presOf" srcId="{1E81A642-D3BD-4B03-BB38-C84C5E565697}" destId="{E9DFEE38-3C4D-4AED-BBB3-EEE240539EAA}" srcOrd="0" destOrd="0" presId="urn:microsoft.com/office/officeart/2005/8/layout/hList1"/>
     <dgm:cxn modelId="{EF8E24D0-CF0F-438D-A3B1-ED1911B94CC7}" type="presOf" srcId="{3C7A6B06-EA52-4EE6-9AD7-C758B36A895C}" destId="{897ACDA3-978D-434D-91AE-6B356E89C732}" srcOrd="0" destOrd="0" presId="urn:microsoft.com/office/officeart/2005/8/layout/hList1"/>
-    <dgm:cxn modelId="{DE23D6B2-1D38-4A05-9953-4E3E84BB416D}" srcId="{94FCA0AB-0E1E-4CB8-9AB9-02AD2D78B33B}" destId="{3C7A6B06-EA52-4EE6-9AD7-C758B36A895C}" srcOrd="0" destOrd="0" parTransId="{52843447-DEB7-4E68-BB2B-E113FC0CEAB4}" sibTransId="{EDDBAC80-DD92-48CC-BC5F-8AB71C482026}"/>
-    <dgm:cxn modelId="{E2A6955A-7379-4472-B85F-F33FB593BBF7}" type="presOf" srcId="{E6DB142E-ED66-4C1D-A5BB-17026D5FD8A6}" destId="{E9DFEE38-3C4D-4AED-BBB3-EEE240539EAA}" srcOrd="0" destOrd="2" presId="urn:microsoft.com/office/officeart/2005/8/layout/hList1"/>
-    <dgm:cxn modelId="{2BE809C5-6A4C-4947-8C52-B3ACD558C181}" type="presOf" srcId="{FE47FF0A-07CE-4014-86B5-3A03BA12E313}" destId="{2546BFE7-FE10-42FB-8239-BE4264327805}" srcOrd="0" destOrd="0" presId="urn:microsoft.com/office/officeart/2005/8/layout/hList1"/>
-    <dgm:cxn modelId="{D7FB9679-0B72-4132-B627-035A2E0F349A}" srcId="{350FB2D6-5256-4D46-B792-8904CD9F8543}" destId="{E6DB142E-ED66-4C1D-A5BB-17026D5FD8A6}" srcOrd="2" destOrd="0" parTransId="{B673AA46-5198-4799-9597-9AAC81ADB18C}" sibTransId="{CB1D4CB7-CA89-4AAF-BFE6-1FFE313E73DB}"/>
-    <dgm:cxn modelId="{49616408-8A5A-46EA-9E0B-C642469A5D0D}" type="presOf" srcId="{350FB2D6-5256-4D46-B792-8904CD9F8543}" destId="{996816A4-3F3A-4642-A41E-7EE8F82AE2A2}" srcOrd="0" destOrd="0" presId="urn:microsoft.com/office/officeart/2005/8/layout/hList1"/>
+    <dgm:cxn modelId="{AAAEACD4-3534-4A2C-8CB9-88F058A8432C}" srcId="{68D02E21-0F7A-40CF-927B-C81EEF65FAB1}" destId="{FE47FF0A-07CE-4014-86B5-3A03BA12E313}" srcOrd="0" destOrd="0" parTransId="{C0D0E27A-474D-4765-B42F-B5E6434FB4E1}" sibTransId="{AAB9378A-00D4-43D3-8806-A8686D468F07}"/>
     <dgm:cxn modelId="{A8A0CAE5-93B5-4239-85A1-38FDD6628581}" type="presOf" srcId="{C6213A8C-F8AF-4DDC-8C17-44FF559601F5}" destId="{897ACDA3-978D-434D-91AE-6B356E89C732}" srcOrd="0" destOrd="1" presId="urn:microsoft.com/office/officeart/2005/8/layout/hList1"/>
-    <dgm:cxn modelId="{74CB8004-A455-4926-B644-FD12BDB903BB}" type="presOf" srcId="{522F04E5-0A54-407D-9520-84779C82677E}" destId="{712D7E2F-3263-41AC-9E6A-6015180B7292}" srcOrd="0" destOrd="0" presId="urn:microsoft.com/office/officeart/2005/8/layout/hList1"/>
-    <dgm:cxn modelId="{D8C52882-9341-4E15-B754-6711303ACEC1}" srcId="{522F04E5-0A54-407D-9520-84779C82677E}" destId="{68D02E21-0F7A-40CF-927B-C81EEF65FAB1}" srcOrd="3" destOrd="0" parTransId="{169CED87-DFF5-4019-95ED-1FF0CD51DD87}" sibTransId="{5499E1DA-28A2-4EB8-8DCA-3425CA758F85}"/>
-    <dgm:cxn modelId="{9395170E-8973-4E7E-8282-25B62E44C168}" srcId="{522F04E5-0A54-407D-9520-84779C82677E}" destId="{94FCA0AB-0E1E-4CB8-9AB9-02AD2D78B33B}" srcOrd="1" destOrd="0" parTransId="{B3A0D3F3-406C-48E4-AB52-6B29230B884B}" sibTransId="{458EB493-5AA2-4DB8-AC13-62C377934DF9}"/>
-    <dgm:cxn modelId="{5F464D07-1F86-4157-B71B-9DE3215E43E3}" srcId="{522F04E5-0A54-407D-9520-84779C82677E}" destId="{D11381E2-67BB-4B08-A2F1-288AA2CE2215}" srcOrd="2" destOrd="0" parTransId="{19E0AAC7-2590-47B7-8473-0BCBB2DDADC7}" sibTransId="{D13DE3D1-9ECE-4BE7-B8DE-D9F1219704E1}"/>
-    <dgm:cxn modelId="{AAAEACD4-3534-4A2C-8CB9-88F058A8432C}" srcId="{68D02E21-0F7A-40CF-927B-C81EEF65FAB1}" destId="{FE47FF0A-07CE-4014-86B5-3A03BA12E313}" srcOrd="0" destOrd="0" parTransId="{C0D0E27A-474D-4765-B42F-B5E6434FB4E1}" sibTransId="{AAB9378A-00D4-43D3-8806-A8686D468F07}"/>
-    <dgm:cxn modelId="{B97E7A6B-A9F4-46E7-8063-1C3952AD6B6D}" srcId="{522F04E5-0A54-407D-9520-84779C82677E}" destId="{350FB2D6-5256-4D46-B792-8904CD9F8543}" srcOrd="0" destOrd="0" parTransId="{2529D0CB-15FB-4B10-9FD2-BDE6D2701B36}" sibTransId="{F872CF9B-58DF-4BB2-8AE9-6FFDC071390C}"/>
-    <dgm:cxn modelId="{C0BA9A70-5FCB-420A-9A65-A3786E206840}" type="presOf" srcId="{BBDE9BA8-C076-45CA-BDBF-985EDCC20658}" destId="{E9DFEE38-3C4D-4AED-BBB3-EEE240539EAA}" srcOrd="0" destOrd="1" presId="urn:microsoft.com/office/officeart/2005/8/layout/hList1"/>
     <dgm:cxn modelId="{F8820AE6-7BB8-4396-8A84-6E6C890AFFFA}" type="presOf" srcId="{D11381E2-67BB-4B08-A2F1-288AA2CE2215}" destId="{5BC66393-0F5B-464F-9331-8045CA878348}" srcOrd="0" destOrd="0" presId="urn:microsoft.com/office/officeart/2005/8/layout/hList1"/>
-    <dgm:cxn modelId="{8F120D54-90DF-492F-A3EA-AED1E0F3A9D3}" srcId="{D11381E2-67BB-4B08-A2F1-288AA2CE2215}" destId="{807D4D86-D4C6-494D-97EA-497FCC338A75}" srcOrd="0" destOrd="0" parTransId="{FAB24B19-3424-436A-88B8-6F9E537347EF}" sibTransId="{251900D6-5C74-4C9A-AFF6-5F61D9FA4C10}"/>
     <dgm:cxn modelId="{10909FB7-D603-4C87-8FD8-B020F8783007}" type="presParOf" srcId="{712D7E2F-3263-41AC-9E6A-6015180B7292}" destId="{DAB667DA-2BCF-4951-BB7A-544BBA27C875}" srcOrd="0" destOrd="0" presId="urn:microsoft.com/office/officeart/2005/8/layout/hList1"/>
     <dgm:cxn modelId="{9E1BD802-A0C1-4F9C-8AFB-389985735B81}" type="presParOf" srcId="{DAB667DA-2BCF-4951-BB7A-544BBA27C875}" destId="{996816A4-3F3A-4642-A41E-7EE8F82AE2A2}" srcOrd="0" destOrd="0" presId="urn:microsoft.com/office/officeart/2005/8/layout/hList1"/>
     <dgm:cxn modelId="{0AAC8FCB-B891-40F2-AD13-43D54B563D3F}" type="presParOf" srcId="{DAB667DA-2BCF-4951-BB7A-544BBA27C875}" destId="{E9DFEE38-3C4D-4AED-BBB3-EEE240539EAA}" srcOrd="1" destOrd="0" presId="urn:microsoft.com/office/officeart/2005/8/layout/hList1"/>
@@ -1610,14 +1546,14 @@
   <dgm:whole/>
   <dgm:extLst>
     <a:ext uri="http://schemas.microsoft.com/office/drawing/2008/diagram">
-      <dsp:dataModelExt xmlns:dsp="http://schemas.microsoft.com/office/drawing/2008/diagram" xmlns="" relId="rId6" minVer="http://schemas.openxmlformats.org/drawingml/2006/diagram"/>
+      <dsp:dataModelExt xmlns:dsp="http://schemas.microsoft.com/office/drawing/2008/diagram" relId="rId6" minVer="http://schemas.openxmlformats.org/drawingml/2006/diagram"/>
     </a:ext>
   </dgm:extLst>
 </dgm:dataModel>
 </file>
 
 <file path=ppt/diagrams/drawing1.xml><?xml version="1.0" encoding="utf-8"?>
-<dsp:drawing xmlns:dgm="http://schemas.openxmlformats.org/drawingml/2006/diagram" xmlns:a="http://schemas.openxmlformats.org/drawingml/2006/main" xmlns:dsp="http://schemas.microsoft.com/office/drawing/2008/diagram">
+<dsp:drawing xmlns:dgm="http://schemas.openxmlformats.org/drawingml/2006/diagram" xmlns:dsp="http://schemas.microsoft.com/office/drawing/2008/diagram" xmlns:a="http://schemas.openxmlformats.org/drawingml/2006/main">
   <dsp:spTree>
     <dsp:nvGrpSpPr>
       <dsp:cNvPr id="0" name=""/>
@@ -1631,8 +1567,8 @@
       </dsp:nvSpPr>
       <dsp:spPr>
         <a:xfrm>
-          <a:off x="4146" y="668695"/>
-          <a:ext cx="2493511" cy="762640"/>
+          <a:off x="4146" y="613157"/>
+          <a:ext cx="2493511" cy="806977"/>
         </a:xfrm>
         <a:prstGeom prst="rect">
           <a:avLst/>
@@ -1673,12 +1609,12 @@
         </a:fontRef>
       </dsp:style>
       <dsp:txBody>
-        <a:bodyPr spcFirstLastPara="0" vert="horz" wrap="square" lIns="113792" tIns="65024" rIns="113792" bIns="65024" numCol="1" spcCol="1270" anchor="ctr" anchorCtr="0">
+        <a:bodyPr spcFirstLastPara="0" vert="horz" wrap="square" lIns="120904" tIns="69088" rIns="120904" bIns="69088" numCol="1" spcCol="1270" anchor="ctr" anchorCtr="0">
           <a:noAutofit/>
         </a:bodyPr>
         <a:lstStyle/>
         <a:p>
-          <a:pPr lvl="0" algn="ctr" defTabSz="711200" rtl="0">
+          <a:pPr marL="0" lvl="0" indent="0" algn="ctr" defTabSz="755650" rtl="0">
             <a:lnSpc>
               <a:spcPct val="90000"/>
             </a:lnSpc>
@@ -1688,17 +1624,17 @@
             <a:spcAft>
               <a:spcPct val="35000"/>
             </a:spcAft>
+            <a:buNone/>
           </a:pPr>
           <a:r>
-            <a:rPr lang="de-DE" sz="1600" kern="1200" dirty="0" smtClean="0"/>
+            <a:rPr lang="de-DE" sz="1700" kern="1200" dirty="0"/>
             <a:t>Für welche Zwecke sind starre und für welche flexible Parser hilfreich?</a:t>
           </a:r>
-          <a:endParaRPr lang="de-DE" sz="1600" kern="1200" dirty="0"/>
         </a:p>
       </dsp:txBody>
       <dsp:txXfrm>
-        <a:off x="4146" y="668695"/>
-        <a:ext cx="2493511" cy="762640"/>
+        <a:off x="4146" y="613157"/>
+        <a:ext cx="2493511" cy="806977"/>
       </dsp:txXfrm>
     </dsp:sp>
     <dsp:sp modelId="{E9DFEE38-3C4D-4AED-BBB3-EEE240539EAA}">
@@ -1708,8 +1644,8 @@
       </dsp:nvSpPr>
       <dsp:spPr>
         <a:xfrm>
-          <a:off x="4146" y="1431335"/>
-          <a:ext cx="2493511" cy="1534455"/>
+          <a:off x="4146" y="1420135"/>
+          <a:ext cx="2493511" cy="1601192"/>
         </a:xfrm>
         <a:prstGeom prst="rect">
           <a:avLst/>
@@ -1752,12 +1688,12 @@
         <a:fontRef idx="minor"/>
       </dsp:style>
       <dsp:txBody>
-        <a:bodyPr spcFirstLastPara="0" vert="horz" wrap="square" lIns="85344" tIns="85344" rIns="113792" bIns="128016" numCol="1" spcCol="1270" anchor="t" anchorCtr="0">
+        <a:bodyPr spcFirstLastPara="0" vert="horz" wrap="square" lIns="90678" tIns="90678" rIns="120904" bIns="136017" numCol="1" spcCol="1270" anchor="t" anchorCtr="0">
           <a:noAutofit/>
         </a:bodyPr>
         <a:lstStyle/>
         <a:p>
-          <a:pPr marL="171450" lvl="1" indent="-171450" algn="l" defTabSz="711200" rtl="0">
+          <a:pPr marL="171450" lvl="1" indent="-171450" algn="l" defTabSz="755650" rtl="0">
             <a:lnSpc>
               <a:spcPct val="90000"/>
             </a:lnSpc>
@@ -1767,16 +1703,15 @@
             <a:spcAft>
               <a:spcPct val="15000"/>
             </a:spcAft>
-            <a:buChar char="••"/>
+            <a:buChar char="•"/>
           </a:pPr>
           <a:r>
-            <a:rPr lang="de-DE" sz="1600" kern="1200" dirty="0" smtClean="0"/>
+            <a:rPr lang="de-DE" sz="1700" kern="1200" dirty="0"/>
             <a:t>Klare Aufgabenstellung</a:t>
           </a:r>
-          <a:endParaRPr lang="de-DE" sz="1600" kern="1200" dirty="0"/>
         </a:p>
         <a:p>
-          <a:pPr marL="171450" lvl="1" indent="-171450" algn="l" defTabSz="711200" rtl="0">
+          <a:pPr marL="171450" lvl="1" indent="-171450" algn="l" defTabSz="755650" rtl="0">
             <a:lnSpc>
               <a:spcPct val="90000"/>
             </a:lnSpc>
@@ -1786,16 +1721,15 @@
             <a:spcAft>
               <a:spcPct val="15000"/>
             </a:spcAft>
-            <a:buChar char="••"/>
+            <a:buChar char="•"/>
           </a:pPr>
           <a:r>
-            <a:rPr lang="de-DE" sz="1600" kern="1200" dirty="0" smtClean="0"/>
+            <a:rPr lang="de-DE" sz="1700" kern="1200" dirty="0"/>
             <a:t>Längere Konversationen</a:t>
           </a:r>
-          <a:endParaRPr lang="de-DE" sz="1600" kern="1200" dirty="0"/>
         </a:p>
         <a:p>
-          <a:pPr marL="171450" lvl="1" indent="-171450" algn="l" defTabSz="711200" rtl="0">
+          <a:pPr marL="171450" lvl="1" indent="-171450" algn="l" defTabSz="755650" rtl="0">
             <a:lnSpc>
               <a:spcPct val="90000"/>
             </a:lnSpc>
@@ -1805,18 +1739,17 @@
             <a:spcAft>
               <a:spcPct val="15000"/>
             </a:spcAft>
-            <a:buChar char="••"/>
+            <a:buChar char="•"/>
           </a:pPr>
           <a:r>
-            <a:rPr lang="de-DE" sz="1600" kern="1200" dirty="0" smtClean="0"/>
+            <a:rPr lang="de-DE" sz="1700" kern="1200" dirty="0"/>
             <a:t>Smalltalk</a:t>
           </a:r>
-          <a:endParaRPr lang="de-DE" sz="1600" kern="1200" dirty="0"/>
         </a:p>
       </dsp:txBody>
       <dsp:txXfrm>
-        <a:off x="4146" y="1431335"/>
-        <a:ext cx="2493511" cy="1534455"/>
+        <a:off x="4146" y="1420135"/>
+        <a:ext cx="2493511" cy="1601192"/>
       </dsp:txXfrm>
     </dsp:sp>
     <dsp:sp modelId="{D0A87682-ED03-4F98-B992-41401FA91961}">
@@ -1826,8 +1759,8 @@
       </dsp:nvSpPr>
       <dsp:spPr>
         <a:xfrm>
-          <a:off x="2846750" y="668695"/>
-          <a:ext cx="2493511" cy="762640"/>
+          <a:off x="2846750" y="613157"/>
+          <a:ext cx="2493511" cy="806977"/>
         </a:xfrm>
         <a:prstGeom prst="rect">
           <a:avLst/>
@@ -1868,12 +1801,12 @@
         </a:fontRef>
       </dsp:style>
       <dsp:txBody>
-        <a:bodyPr spcFirstLastPara="0" vert="horz" wrap="square" lIns="113792" tIns="65024" rIns="113792" bIns="65024" numCol="1" spcCol="1270" anchor="ctr" anchorCtr="0">
+        <a:bodyPr spcFirstLastPara="0" vert="horz" wrap="square" lIns="120904" tIns="69088" rIns="120904" bIns="69088" numCol="1" spcCol="1270" anchor="ctr" anchorCtr="0">
           <a:noAutofit/>
         </a:bodyPr>
         <a:lstStyle/>
         <a:p>
-          <a:pPr lvl="0" algn="ctr" defTabSz="711200" rtl="0">
+          <a:pPr marL="0" lvl="0" indent="0" algn="ctr" defTabSz="755650" rtl="0">
             <a:lnSpc>
               <a:spcPct val="90000"/>
             </a:lnSpc>
@@ -1883,17 +1816,17 @@
             <a:spcAft>
               <a:spcPct val="35000"/>
             </a:spcAft>
+            <a:buNone/>
           </a:pPr>
           <a:r>
-            <a:rPr lang="de-DE" sz="1600" kern="1200" dirty="0" smtClean="0"/>
+            <a:rPr lang="de-DE" sz="1700" kern="1200" dirty="0"/>
             <a:t>Wie kompliziert sind die jeweiligen Vorgehen umzusetzen?</a:t>
           </a:r>
-          <a:endParaRPr lang="de-DE" sz="1600" kern="1200" dirty="0"/>
         </a:p>
       </dsp:txBody>
       <dsp:txXfrm>
-        <a:off x="2846750" y="668695"/>
-        <a:ext cx="2493511" cy="762640"/>
+        <a:off x="2846750" y="613157"/>
+        <a:ext cx="2493511" cy="806977"/>
       </dsp:txXfrm>
     </dsp:sp>
     <dsp:sp modelId="{897ACDA3-978D-434D-91AE-6B356E89C732}">
@@ -1903,8 +1836,8 @@
       </dsp:nvSpPr>
       <dsp:spPr>
         <a:xfrm>
-          <a:off x="2846750" y="1431335"/>
-          <a:ext cx="2493511" cy="1534455"/>
+          <a:off x="2846750" y="1420135"/>
+          <a:ext cx="2493511" cy="1601192"/>
         </a:xfrm>
         <a:prstGeom prst="rect">
           <a:avLst/>
@@ -1947,12 +1880,12 @@
         <a:fontRef idx="minor"/>
       </dsp:style>
       <dsp:txBody>
-        <a:bodyPr spcFirstLastPara="0" vert="horz" wrap="square" lIns="85344" tIns="85344" rIns="113792" bIns="128016" numCol="1" spcCol="1270" anchor="t" anchorCtr="0">
+        <a:bodyPr spcFirstLastPara="0" vert="horz" wrap="square" lIns="90678" tIns="90678" rIns="120904" bIns="136017" numCol="1" spcCol="1270" anchor="t" anchorCtr="0">
           <a:noAutofit/>
         </a:bodyPr>
         <a:lstStyle/>
         <a:p>
-          <a:pPr marL="171450" lvl="1" indent="-171450" algn="l" defTabSz="711200" rtl="0">
+          <a:pPr marL="171450" lvl="1" indent="-171450" algn="l" defTabSz="755650" rtl="0">
             <a:lnSpc>
               <a:spcPct val="90000"/>
             </a:lnSpc>
@@ -1962,16 +1895,15 @@
             <a:spcAft>
               <a:spcPct val="15000"/>
             </a:spcAft>
-            <a:buChar char="••"/>
+            <a:buChar char="•"/>
           </a:pPr>
           <a:r>
-            <a:rPr lang="de-DE" sz="1600" kern="1200" dirty="0" smtClean="0"/>
+            <a:rPr lang="de-DE" sz="1700" kern="1200" dirty="0"/>
             <a:t>Wie genau muss die Konversation vorbestimmt werden?</a:t>
           </a:r>
-          <a:endParaRPr lang="de-DE" sz="1600" kern="1200" dirty="0"/>
         </a:p>
         <a:p>
-          <a:pPr marL="171450" lvl="1" indent="-171450" algn="l" defTabSz="711200" rtl="0">
+          <a:pPr marL="171450" lvl="1" indent="-171450" algn="l" defTabSz="755650" rtl="0">
             <a:lnSpc>
               <a:spcPct val="90000"/>
             </a:lnSpc>
@@ -1981,18 +1913,17 @@
             <a:spcAft>
               <a:spcPct val="15000"/>
             </a:spcAft>
-            <a:buChar char="••"/>
+            <a:buChar char="•"/>
           </a:pPr>
           <a:r>
-            <a:rPr lang="de-DE" sz="1600" kern="1200" dirty="0" smtClean="0"/>
+            <a:rPr lang="de-DE" sz="1700" kern="1200" dirty="0"/>
             <a:t>Wie schwer ist es eine weitere Sprache hinzuzufügen?</a:t>
           </a:r>
-          <a:endParaRPr lang="de-DE" sz="1600" kern="1200" dirty="0"/>
         </a:p>
       </dsp:txBody>
       <dsp:txXfrm>
-        <a:off x="2846750" y="1431335"/>
-        <a:ext cx="2493511" cy="1534455"/>
+        <a:off x="2846750" y="1420135"/>
+        <a:ext cx="2493511" cy="1601192"/>
       </dsp:txXfrm>
     </dsp:sp>
     <dsp:sp modelId="{5BC66393-0F5B-464F-9331-8045CA878348}">
@@ -2002,8 +1933,8 @@
       </dsp:nvSpPr>
       <dsp:spPr>
         <a:xfrm>
-          <a:off x="5689353" y="668695"/>
-          <a:ext cx="2493511" cy="762640"/>
+          <a:off x="5689353" y="613157"/>
+          <a:ext cx="2493511" cy="806977"/>
         </a:xfrm>
         <a:prstGeom prst="rect">
           <a:avLst/>
@@ -2044,12 +1975,12 @@
         </a:fontRef>
       </dsp:style>
       <dsp:txBody>
-        <a:bodyPr spcFirstLastPara="0" vert="horz" wrap="square" lIns="113792" tIns="65024" rIns="113792" bIns="65024" numCol="1" spcCol="1270" anchor="ctr" anchorCtr="0">
+        <a:bodyPr spcFirstLastPara="0" vert="horz" wrap="square" lIns="120904" tIns="69088" rIns="120904" bIns="69088" numCol="1" spcCol="1270" anchor="ctr" anchorCtr="0">
           <a:noAutofit/>
         </a:bodyPr>
         <a:lstStyle/>
         <a:p>
-          <a:pPr lvl="0" algn="ctr" defTabSz="711200" rtl="0">
+          <a:pPr marL="0" lvl="0" indent="0" algn="ctr" defTabSz="755650" rtl="0">
             <a:lnSpc>
               <a:spcPct val="90000"/>
             </a:lnSpc>
@@ -2059,17 +1990,17 @@
             <a:spcAft>
               <a:spcPct val="35000"/>
             </a:spcAft>
+            <a:buNone/>
           </a:pPr>
           <a:r>
-            <a:rPr lang="de-DE" sz="1600" kern="1200" dirty="0" smtClean="0"/>
+            <a:rPr lang="de-DE" sz="1700" kern="1200" dirty="0"/>
             <a:t>Wie gut sind beide Ansätze zu warten?</a:t>
           </a:r>
-          <a:endParaRPr lang="de-DE" sz="1600" kern="1200" dirty="0"/>
         </a:p>
       </dsp:txBody>
       <dsp:txXfrm>
-        <a:off x="5689353" y="668695"/>
-        <a:ext cx="2493511" cy="762640"/>
+        <a:off x="5689353" y="613157"/>
+        <a:ext cx="2493511" cy="806977"/>
       </dsp:txXfrm>
     </dsp:sp>
     <dsp:sp modelId="{D0A2AB79-99DC-48EA-994D-89820C0BEAD4}">
@@ -2079,8 +2010,8 @@
       </dsp:nvSpPr>
       <dsp:spPr>
         <a:xfrm>
-          <a:off x="5689353" y="1431335"/>
-          <a:ext cx="2493511" cy="1534455"/>
+          <a:off x="5689353" y="1420135"/>
+          <a:ext cx="2493511" cy="1601192"/>
         </a:xfrm>
         <a:prstGeom prst="rect">
           <a:avLst/>
@@ -2123,12 +2054,12 @@
         <a:fontRef idx="minor"/>
       </dsp:style>
       <dsp:txBody>
-        <a:bodyPr spcFirstLastPara="0" vert="horz" wrap="square" lIns="85344" tIns="85344" rIns="113792" bIns="128016" numCol="1" spcCol="1270" anchor="t" anchorCtr="0">
+        <a:bodyPr spcFirstLastPara="0" vert="horz" wrap="square" lIns="90678" tIns="90678" rIns="120904" bIns="136017" numCol="1" spcCol="1270" anchor="t" anchorCtr="0">
           <a:noAutofit/>
         </a:bodyPr>
         <a:lstStyle/>
         <a:p>
-          <a:pPr marL="171450" lvl="1" indent="-171450" algn="l" defTabSz="711200" rtl="0">
+          <a:pPr marL="171450" lvl="1" indent="-171450" algn="l" defTabSz="755650" rtl="0">
             <a:lnSpc>
               <a:spcPct val="90000"/>
             </a:lnSpc>
@@ -2138,16 +2069,15 @@
             <a:spcAft>
               <a:spcPct val="15000"/>
             </a:spcAft>
-            <a:buChar char="••"/>
+            <a:buChar char="•"/>
           </a:pPr>
           <a:r>
-            <a:rPr lang="de-DE" sz="1600" kern="1200" dirty="0" smtClean="0"/>
+            <a:rPr lang="de-DE" sz="1700" kern="1200" dirty="0"/>
             <a:t>Wie können Trainingsdaten / Dialoge erweitert werden?</a:t>
           </a:r>
-          <a:endParaRPr lang="de-DE" sz="1600" kern="1200" dirty="0"/>
         </a:p>
         <a:p>
-          <a:pPr marL="171450" lvl="1" indent="-171450" algn="l" defTabSz="711200" rtl="0">
+          <a:pPr marL="171450" lvl="1" indent="-171450" algn="l" defTabSz="755650" rtl="0">
             <a:lnSpc>
               <a:spcPct val="90000"/>
             </a:lnSpc>
@@ -2157,26 +2087,25 @@
             <a:spcAft>
               <a:spcPct val="15000"/>
             </a:spcAft>
-            <a:buChar char="••"/>
+            <a:buChar char="•"/>
           </a:pPr>
           <a:r>
-            <a:rPr lang="de-DE" sz="1600" kern="1200" dirty="0" smtClean="0"/>
+            <a:rPr lang="de-DE" sz="1700" kern="1200" dirty="0"/>
             <a:t>Wie prüfe ich die Güte meines </a:t>
           </a:r>
           <a:r>
-            <a:rPr lang="de-DE" sz="1600" kern="1200" dirty="0" err="1" smtClean="0"/>
+            <a:rPr lang="de-DE" sz="1700" kern="1200" dirty="0" err="1"/>
             <a:t>Chatbots</a:t>
           </a:r>
           <a:r>
-            <a:rPr lang="de-DE" sz="1600" kern="1200" dirty="0" smtClean="0"/>
+            <a:rPr lang="de-DE" sz="1700" kern="1200" dirty="0"/>
             <a:t>?</a:t>
           </a:r>
-          <a:endParaRPr lang="de-DE" sz="1600" kern="1200" dirty="0"/>
         </a:p>
       </dsp:txBody>
       <dsp:txXfrm>
-        <a:off x="5689353" y="1431335"/>
-        <a:ext cx="2493511" cy="1534455"/>
+        <a:off x="5689353" y="1420135"/>
+        <a:ext cx="2493511" cy="1601192"/>
       </dsp:txXfrm>
     </dsp:sp>
     <dsp:sp modelId="{0C775F3B-64EC-45D4-86C1-EF07E116ABBC}">
@@ -2186,8 +2115,8 @@
       </dsp:nvSpPr>
       <dsp:spPr>
         <a:xfrm>
-          <a:off x="8531956" y="668695"/>
-          <a:ext cx="2493511" cy="762640"/>
+          <a:off x="8531956" y="613157"/>
+          <a:ext cx="2493511" cy="806977"/>
         </a:xfrm>
         <a:prstGeom prst="rect">
           <a:avLst/>
@@ -2228,12 +2157,12 @@
         </a:fontRef>
       </dsp:style>
       <dsp:txBody>
-        <a:bodyPr spcFirstLastPara="0" vert="horz" wrap="square" lIns="113792" tIns="65024" rIns="113792" bIns="65024" numCol="1" spcCol="1270" anchor="ctr" anchorCtr="0">
+        <a:bodyPr spcFirstLastPara="0" vert="horz" wrap="square" lIns="120904" tIns="69088" rIns="120904" bIns="69088" numCol="1" spcCol="1270" anchor="ctr" anchorCtr="0">
           <a:noAutofit/>
         </a:bodyPr>
         <a:lstStyle/>
         <a:p>
-          <a:pPr lvl="0" algn="ctr" defTabSz="711200" rtl="0">
+          <a:pPr marL="0" lvl="0" indent="0" algn="ctr" defTabSz="755650" rtl="0">
             <a:lnSpc>
               <a:spcPct val="90000"/>
             </a:lnSpc>
@@ -2243,17 +2172,17 @@
             <a:spcAft>
               <a:spcPct val="35000"/>
             </a:spcAft>
+            <a:buNone/>
           </a:pPr>
           <a:r>
-            <a:rPr lang="de-DE" sz="1600" kern="1200" dirty="0" smtClean="0"/>
+            <a:rPr lang="de-DE" sz="1700" kern="1200" dirty="0"/>
             <a:t>Wie ist deren Performance?</a:t>
           </a:r>
-          <a:endParaRPr lang="de-DE" sz="1600" kern="1200" dirty="0"/>
         </a:p>
       </dsp:txBody>
       <dsp:txXfrm>
-        <a:off x="8531956" y="668695"/>
-        <a:ext cx="2493511" cy="762640"/>
+        <a:off x="8531956" y="613157"/>
+        <a:ext cx="2493511" cy="806977"/>
       </dsp:txXfrm>
     </dsp:sp>
     <dsp:sp modelId="{2546BFE7-FE10-42FB-8239-BE4264327805}">
@@ -2263,8 +2192,8 @@
       </dsp:nvSpPr>
       <dsp:spPr>
         <a:xfrm>
-          <a:off x="8531956" y="1431335"/>
-          <a:ext cx="2493511" cy="1534455"/>
+          <a:off x="8531956" y="1420135"/>
+          <a:ext cx="2493511" cy="1601192"/>
         </a:xfrm>
         <a:prstGeom prst="rect">
           <a:avLst/>
@@ -2307,12 +2236,12 @@
         <a:fontRef idx="minor"/>
       </dsp:style>
       <dsp:txBody>
-        <a:bodyPr spcFirstLastPara="0" vert="horz" wrap="square" lIns="85344" tIns="85344" rIns="113792" bIns="128016" numCol="1" spcCol="1270" anchor="t" anchorCtr="0">
+        <a:bodyPr spcFirstLastPara="0" vert="horz" wrap="square" lIns="90678" tIns="90678" rIns="120904" bIns="136017" numCol="1" spcCol="1270" anchor="t" anchorCtr="0">
           <a:noAutofit/>
         </a:bodyPr>
         <a:lstStyle/>
         <a:p>
-          <a:pPr marL="171450" lvl="1" indent="-171450" algn="l" defTabSz="711200" rtl="0">
+          <a:pPr marL="171450" lvl="1" indent="-171450" algn="l" defTabSz="755650" rtl="0">
             <a:lnSpc>
               <a:spcPct val="90000"/>
             </a:lnSpc>
@@ -2322,16 +2251,15 @@
             <a:spcAft>
               <a:spcPct val="15000"/>
             </a:spcAft>
-            <a:buChar char="••"/>
+            <a:buChar char="•"/>
           </a:pPr>
           <a:r>
-            <a:rPr lang="de-DE" sz="1600" kern="1200" dirty="0" smtClean="0"/>
+            <a:rPr lang="de-DE" sz="1700" kern="1200" dirty="0"/>
             <a:t>Wie lange dauert es eine Antwort zu generieren?</a:t>
           </a:r>
-          <a:endParaRPr lang="de-DE" sz="1600" kern="1200" dirty="0"/>
         </a:p>
         <a:p>
-          <a:pPr marL="171450" lvl="1" indent="-171450" algn="l" defTabSz="711200" rtl="0">
+          <a:pPr marL="171450" lvl="1" indent="-171450" algn="l" defTabSz="755650" rtl="0">
             <a:lnSpc>
               <a:spcPct val="90000"/>
             </a:lnSpc>
@@ -2341,18 +2269,17 @@
             <a:spcAft>
               <a:spcPct val="15000"/>
             </a:spcAft>
-            <a:buChar char="••"/>
+            <a:buChar char="•"/>
           </a:pPr>
           <a:r>
-            <a:rPr lang="de-DE" sz="1600" kern="1200" dirty="0" smtClean="0"/>
+            <a:rPr lang="de-DE" sz="1700" kern="1200" dirty="0"/>
             <a:t>Wie lange dauert es den Dialog vorzubereiten?</a:t>
           </a:r>
-          <a:endParaRPr lang="de-DE" sz="1600" kern="1200" dirty="0"/>
         </a:p>
       </dsp:txBody>
       <dsp:txXfrm>
-        <a:off x="8531956" y="1431335"/>
-        <a:ext cx="2493511" cy="1534455"/>
+        <a:off x="8531956" y="1420135"/>
+        <a:ext cx="2493511" cy="1601192"/>
       </dsp:txXfrm>
     </dsp:sp>
   </dsp:spTree>
@@ -3695,7 +3622,7 @@
             <a:fld id="{764ED9EE-8F2A-4E06-87A2-36C0DD0993FD}" type="datetime1">
               <a:rPr lang="de-DE" smtClean="0"/>
               <a:pPr rtl="0"/>
-              <a:t>31.10.2020</a:t>
+              <a:t>02.11.2020</a:t>
             </a:fld>
             <a:endParaRPr lang="en-US" dirty="0"/>
           </a:p>
@@ -3773,7 +3700,7 @@
     </p:spTree>
     <p:extLst>
       <p:ext uri="{BB962C8B-B14F-4D97-AF65-F5344CB8AC3E}">
-        <p14:creationId xmlns="" xmlns:p14="http://schemas.microsoft.com/office/powerpoint/2010/main" val="882484457"/>
+        <p14:creationId xmlns:p14="http://schemas.microsoft.com/office/powerpoint/2010/main" val="882484457"/>
       </p:ext>
     </p:extLst>
   </p:cSld>
@@ -3867,7 +3794,7 @@
             <a:fld id="{A5A5ADE8-1FB8-43FD-A675-2B613EE00B6F}" type="datetime1">
               <a:rPr lang="de-DE" smtClean="0"/>
               <a:pPr rtl="0"/>
-              <a:t>31.10.2020</a:t>
+              <a:t>02.11.2020</a:t>
             </a:fld>
             <a:endParaRPr lang="en-US"/>
           </a:p>
@@ -4040,7 +3967,7 @@
     </p:spTree>
     <p:extLst>
       <p:ext uri="{BB962C8B-B14F-4D97-AF65-F5344CB8AC3E}">
-        <p14:creationId xmlns="" xmlns:p14="http://schemas.microsoft.com/office/powerpoint/2010/main" val="3571455252"/>
+        <p14:creationId xmlns:p14="http://schemas.microsoft.com/office/powerpoint/2010/main" val="3571455252"/>
       </p:ext>
     </p:extLst>
   </p:cSld>
@@ -4363,7 +4290,7 @@
           <p:cNvPr id="8" name="Datumsplatzhalter 7">
             <a:extLst>
               <a:ext uri="{FF2B5EF4-FFF2-40B4-BE49-F238E27FC236}">
-                <a16:creationId xmlns="" xmlns:a16="http://schemas.microsoft.com/office/drawing/2014/main" id="{7FA0ACE7-29A8-47D3-A7D9-257B711D8023}"/>
+                <a16:creationId xmlns:a16="http://schemas.microsoft.com/office/drawing/2014/main" id="{7FA0ACE7-29A8-47D3-A7D9-257B711D8023}"/>
               </a:ext>
             </a:extLst>
           </p:cNvPr>
@@ -4383,7 +4310,7 @@
             <a:fld id="{81E9C95E-BEF0-4D2E-9127-B9099B238D2A}" type="datetime1">
               <a:rPr lang="de-DE" smtClean="0"/>
               <a:pPr rtl="0"/>
-              <a:t>31.10.2020</a:t>
+              <a:t>02.11.2020</a:t>
             </a:fld>
             <a:endParaRPr lang="en-US" dirty="0"/>
           </a:p>
@@ -4394,7 +4321,7 @@
           <p:cNvPr id="9" name="Fußzeilenplatzhalter 8">
             <a:extLst>
               <a:ext uri="{FF2B5EF4-FFF2-40B4-BE49-F238E27FC236}">
-                <a16:creationId xmlns="" xmlns:a16="http://schemas.microsoft.com/office/drawing/2014/main" id="{DEC604B9-52E9-4810-8359-47206518D038}"/>
+                <a16:creationId xmlns:a16="http://schemas.microsoft.com/office/drawing/2014/main" id="{DEC604B9-52E9-4810-8359-47206518D038}"/>
               </a:ext>
             </a:extLst>
           </p:cNvPr>
@@ -4420,7 +4347,7 @@
           <p:cNvPr id="10" name="Foliennummernplatzhalter 9">
             <a:extLst>
               <a:ext uri="{FF2B5EF4-FFF2-40B4-BE49-F238E27FC236}">
-                <a16:creationId xmlns="" xmlns:a16="http://schemas.microsoft.com/office/drawing/2014/main" id="{5898A89F-CA25-400F-B05A-AECBF2517E4F}"/>
+                <a16:creationId xmlns:a16="http://schemas.microsoft.com/office/drawing/2014/main" id="{5898A89F-CA25-400F-B05A-AECBF2517E4F}"/>
               </a:ext>
             </a:extLst>
           </p:cNvPr>
@@ -4449,7 +4376,7 @@
     </p:spTree>
     <p:extLst>
       <p:ext uri="{BB962C8B-B14F-4D97-AF65-F5344CB8AC3E}">
-        <p14:creationId xmlns="" xmlns:p14="http://schemas.microsoft.com/office/powerpoint/2010/main" val="490017585"/>
+        <p14:creationId xmlns:p14="http://schemas.microsoft.com/office/powerpoint/2010/main" val="490017585"/>
       </p:ext>
     </p:extLst>
   </p:cSld>
@@ -4592,7 +4519,7 @@
             <a:fld id="{FE771757-BB18-44C5-813E-435E78C98126}" type="datetime1">
               <a:rPr lang="de-DE" smtClean="0"/>
               <a:pPr rtl="0"/>
-              <a:t>31.10.2020</a:t>
+              <a:t>02.11.2020</a:t>
             </a:fld>
             <a:endParaRPr lang="en-US" dirty="0"/>
           </a:p>
@@ -4646,7 +4573,7 @@
     </p:spTree>
     <p:extLst>
       <p:ext uri="{BB962C8B-B14F-4D97-AF65-F5344CB8AC3E}">
-        <p14:creationId xmlns="" xmlns:p14="http://schemas.microsoft.com/office/powerpoint/2010/main" val="1283591147"/>
+        <p14:creationId xmlns:p14="http://schemas.microsoft.com/office/powerpoint/2010/main" val="1283591147"/>
       </p:ext>
     </p:extLst>
   </p:cSld>
@@ -4811,7 +4738,7 @@
           <p:cNvPr id="8" name="Rechteck 7">
             <a:extLst>
               <a:ext uri="{FF2B5EF4-FFF2-40B4-BE49-F238E27FC236}">
-                <a16:creationId xmlns="" xmlns:a16="http://schemas.microsoft.com/office/drawing/2014/main" id="{F6423B97-A5D4-47B9-8861-73B3707A04CF}"/>
+                <a16:creationId xmlns:a16="http://schemas.microsoft.com/office/drawing/2014/main" id="{F6423B97-A5D4-47B9-8861-73B3707A04CF}"/>
               </a:ext>
             </a:extLst>
           </p:cNvPr>
@@ -4854,7 +4781,7 @@
           <p:cNvPr id="9" name="Rechteck 8">
             <a:extLst>
               <a:ext uri="{FF2B5EF4-FFF2-40B4-BE49-F238E27FC236}">
-                <a16:creationId xmlns="" xmlns:a16="http://schemas.microsoft.com/office/drawing/2014/main" id="{1AEC0421-37B4-4481-A10D-69FDF5EC7909}"/>
+                <a16:creationId xmlns:a16="http://schemas.microsoft.com/office/drawing/2014/main" id="{1AEC0421-37B4-4481-A10D-69FDF5EC7909}"/>
               </a:ext>
             </a:extLst>
           </p:cNvPr>
@@ -4897,7 +4824,7 @@
           <p:cNvPr id="10" name="Rechteck 9">
             <a:extLst>
               <a:ext uri="{FF2B5EF4-FFF2-40B4-BE49-F238E27FC236}">
-                <a16:creationId xmlns="" xmlns:a16="http://schemas.microsoft.com/office/drawing/2014/main" id="{5F7265B5-9F97-4F1E-99E9-74F7B7E62337}"/>
+                <a16:creationId xmlns:a16="http://schemas.microsoft.com/office/drawing/2014/main" id="{5F7265B5-9F97-4F1E-99E9-74F7B7E62337}"/>
               </a:ext>
             </a:extLst>
           </p:cNvPr>
@@ -4940,7 +4867,7 @@
           <p:cNvPr id="11" name="Datumsplatzhalter 10">
             <a:extLst>
               <a:ext uri="{FF2B5EF4-FFF2-40B4-BE49-F238E27FC236}">
-                <a16:creationId xmlns="" xmlns:a16="http://schemas.microsoft.com/office/drawing/2014/main" id="{5C74A470-3BD3-4F33-80E5-67E6E87FCBE7}"/>
+                <a16:creationId xmlns:a16="http://schemas.microsoft.com/office/drawing/2014/main" id="{5C74A470-3BD3-4F33-80E5-67E6E87FCBE7}"/>
               </a:ext>
             </a:extLst>
           </p:cNvPr>
@@ -4960,7 +4887,7 @@
             <a:fld id="{B83FACD6-565C-4118-ACD0-32ACCA9AF940}" type="datetime1">
               <a:rPr lang="de-DE" smtClean="0"/>
               <a:pPr rtl="0"/>
-              <a:t>31.10.2020</a:t>
+              <a:t>02.11.2020</a:t>
             </a:fld>
             <a:endParaRPr lang="en-US" dirty="0"/>
           </a:p>
@@ -4971,7 +4898,7 @@
           <p:cNvPr id="12" name="Fußzeilenplatzhalter 11">
             <a:extLst>
               <a:ext uri="{FF2B5EF4-FFF2-40B4-BE49-F238E27FC236}">
-                <a16:creationId xmlns="" xmlns:a16="http://schemas.microsoft.com/office/drawing/2014/main" id="{9A3A30BA-DB50-4D7D-BCDE-17D20FB354DF}"/>
+                <a16:creationId xmlns:a16="http://schemas.microsoft.com/office/drawing/2014/main" id="{9A3A30BA-DB50-4D7D-BCDE-17D20FB354DF}"/>
               </a:ext>
             </a:extLst>
           </p:cNvPr>
@@ -4997,7 +4924,7 @@
           <p:cNvPr id="13" name="Foliennummernplatzhalter 12">
             <a:extLst>
               <a:ext uri="{FF2B5EF4-FFF2-40B4-BE49-F238E27FC236}">
-                <a16:creationId xmlns="" xmlns:a16="http://schemas.microsoft.com/office/drawing/2014/main" id="{76FF9E58-C0B2-436B-A21C-DB45A00D6515}"/>
+                <a16:creationId xmlns:a16="http://schemas.microsoft.com/office/drawing/2014/main" id="{76FF9E58-C0B2-436B-A21C-DB45A00D6515}"/>
               </a:ext>
             </a:extLst>
           </p:cNvPr>
@@ -5026,7 +4953,7 @@
     </p:spTree>
     <p:extLst>
       <p:ext uri="{BB962C8B-B14F-4D97-AF65-F5344CB8AC3E}">
-        <p14:creationId xmlns="" xmlns:p14="http://schemas.microsoft.com/office/powerpoint/2010/main" val="3388849626"/>
+        <p14:creationId xmlns:p14="http://schemas.microsoft.com/office/powerpoint/2010/main" val="3388849626"/>
       </p:ext>
     </p:extLst>
   </p:cSld>
@@ -5144,7 +5071,7 @@
           <p:cNvPr id="8" name="Datumsplatzhalter 7">
             <a:extLst>
               <a:ext uri="{FF2B5EF4-FFF2-40B4-BE49-F238E27FC236}">
-                <a16:creationId xmlns="" xmlns:a16="http://schemas.microsoft.com/office/drawing/2014/main" id="{770E6237-3456-439F-802D-3BA93FC7E3E5}"/>
+                <a16:creationId xmlns:a16="http://schemas.microsoft.com/office/drawing/2014/main" id="{770E6237-3456-439F-802D-3BA93FC7E3E5}"/>
               </a:ext>
             </a:extLst>
           </p:cNvPr>
@@ -5164,7 +5091,7 @@
             <a:fld id="{83627DD0-092D-4AD9-AAE0-0513E170352E}" type="datetime1">
               <a:rPr lang="de-DE" smtClean="0"/>
               <a:pPr rtl="0"/>
-              <a:t>31.10.2020</a:t>
+              <a:t>02.11.2020</a:t>
             </a:fld>
             <a:endParaRPr lang="en-US" dirty="0"/>
           </a:p>
@@ -5175,7 +5102,7 @@
           <p:cNvPr id="9" name="Fußzeilenplatzhalter 8">
             <a:extLst>
               <a:ext uri="{FF2B5EF4-FFF2-40B4-BE49-F238E27FC236}">
-                <a16:creationId xmlns="" xmlns:a16="http://schemas.microsoft.com/office/drawing/2014/main" id="{1356D3B5-6063-4A89-B88F-9D3043916FF8}"/>
+                <a16:creationId xmlns:a16="http://schemas.microsoft.com/office/drawing/2014/main" id="{1356D3B5-6063-4A89-B88F-9D3043916FF8}"/>
               </a:ext>
             </a:extLst>
           </p:cNvPr>
@@ -5201,7 +5128,7 @@
           <p:cNvPr id="10" name="Foliennummernplatzhalter 9">
             <a:extLst>
               <a:ext uri="{FF2B5EF4-FFF2-40B4-BE49-F238E27FC236}">
-                <a16:creationId xmlns="" xmlns:a16="http://schemas.microsoft.com/office/drawing/2014/main" id="{02B78BF7-69D3-4CE0-A631-50EFD41EEEB8}"/>
+                <a16:creationId xmlns:a16="http://schemas.microsoft.com/office/drawing/2014/main" id="{02B78BF7-69D3-4CE0-A631-50EFD41EEEB8}"/>
               </a:ext>
             </a:extLst>
           </p:cNvPr>
@@ -5230,7 +5157,7 @@
     </p:spTree>
     <p:extLst>
       <p:ext uri="{BB962C8B-B14F-4D97-AF65-F5344CB8AC3E}">
-        <p14:creationId xmlns="" xmlns:p14="http://schemas.microsoft.com/office/powerpoint/2010/main" val="852443411"/>
+        <p14:creationId xmlns:p14="http://schemas.microsoft.com/office/powerpoint/2010/main" val="852443411"/>
       </p:ext>
     </p:extLst>
   </p:cSld>
@@ -5462,7 +5389,7 @@
           <p:cNvPr id="7" name="Datumsplatzhalter 6">
             <a:extLst>
               <a:ext uri="{FF2B5EF4-FFF2-40B4-BE49-F238E27FC236}">
-                <a16:creationId xmlns="" xmlns:a16="http://schemas.microsoft.com/office/drawing/2014/main" id="{61582016-5696-4A93-887F-BBB3B9002FE5}"/>
+                <a16:creationId xmlns:a16="http://schemas.microsoft.com/office/drawing/2014/main" id="{61582016-5696-4A93-887F-BBB3B9002FE5}"/>
               </a:ext>
             </a:extLst>
           </p:cNvPr>
@@ -5482,7 +5409,7 @@
             <a:fld id="{F36CBEDB-B1DE-4F8C-AD4A-10AD3F77E1A9}" type="datetime1">
               <a:rPr lang="de-DE" smtClean="0"/>
               <a:pPr rtl="0"/>
-              <a:t>31.10.2020</a:t>
+              <a:t>02.11.2020</a:t>
             </a:fld>
             <a:endParaRPr lang="en-US" dirty="0"/>
           </a:p>
@@ -5493,7 +5420,7 @@
           <p:cNvPr id="9" name="Fußzeilenplatzhalter 8">
             <a:extLst>
               <a:ext uri="{FF2B5EF4-FFF2-40B4-BE49-F238E27FC236}">
-                <a16:creationId xmlns="" xmlns:a16="http://schemas.microsoft.com/office/drawing/2014/main" id="{857CFCD5-1192-4E18-8A8F-29E153B44DA4}"/>
+                <a16:creationId xmlns:a16="http://schemas.microsoft.com/office/drawing/2014/main" id="{857CFCD5-1192-4E18-8A8F-29E153B44DA4}"/>
               </a:ext>
             </a:extLst>
           </p:cNvPr>
@@ -5519,7 +5446,7 @@
           <p:cNvPr id="10" name="Foliennummernplatzhalter 9">
             <a:extLst>
               <a:ext uri="{FF2B5EF4-FFF2-40B4-BE49-F238E27FC236}">
-                <a16:creationId xmlns="" xmlns:a16="http://schemas.microsoft.com/office/drawing/2014/main" id="{E39A109E-5018-4794-92B3-FD5E5BCD95E8}"/>
+                <a16:creationId xmlns:a16="http://schemas.microsoft.com/office/drawing/2014/main" id="{E39A109E-5018-4794-92B3-FD5E5BCD95E8}"/>
               </a:ext>
             </a:extLst>
           </p:cNvPr>
@@ -5548,7 +5475,7 @@
     </p:spTree>
     <p:extLst>
       <p:ext uri="{BB962C8B-B14F-4D97-AF65-F5344CB8AC3E}">
-        <p14:creationId xmlns="" xmlns:p14="http://schemas.microsoft.com/office/powerpoint/2010/main" val="366680978"/>
+        <p14:creationId xmlns:p14="http://schemas.microsoft.com/office/powerpoint/2010/main" val="366680978"/>
       </p:ext>
     </p:extLst>
   </p:cSld>
@@ -5741,7 +5668,7 @@
             <a:fld id="{F95AE019-BB99-4C3A-AA2C-A36C39CE4DCB}" type="datetime1">
               <a:rPr lang="de-DE" smtClean="0"/>
               <a:pPr rtl="0"/>
-              <a:t>31.10.2020</a:t>
+              <a:t>02.11.2020</a:t>
             </a:fld>
             <a:endParaRPr lang="en-US" dirty="0"/>
           </a:p>
@@ -5795,7 +5722,7 @@
     </p:spTree>
     <p:extLst>
       <p:ext uri="{BB962C8B-B14F-4D97-AF65-F5344CB8AC3E}">
-        <p14:creationId xmlns="" xmlns:p14="http://schemas.microsoft.com/office/powerpoint/2010/main" val="2483323219"/>
+        <p14:creationId xmlns:p14="http://schemas.microsoft.com/office/powerpoint/2010/main" val="2483323219"/>
       </p:ext>
     </p:extLst>
   </p:cSld>
@@ -6169,7 +6096,7 @@
             <a:fld id="{117FAFC6-AD0C-4B5B-B8B0-E729C6D4C810}" type="datetime1">
               <a:rPr lang="de-DE" smtClean="0"/>
               <a:pPr rtl="0"/>
-              <a:t>31.10.2020</a:t>
+              <a:t>02.11.2020</a:t>
             </a:fld>
             <a:endParaRPr lang="en-US" dirty="0"/>
           </a:p>
@@ -6223,7 +6150,7 @@
     </p:spTree>
     <p:extLst>
       <p:ext uri="{BB962C8B-B14F-4D97-AF65-F5344CB8AC3E}">
-        <p14:creationId xmlns="" xmlns:p14="http://schemas.microsoft.com/office/powerpoint/2010/main" val="1748046589"/>
+        <p14:creationId xmlns:p14="http://schemas.microsoft.com/office/powerpoint/2010/main" val="1748046589"/>
       </p:ext>
     </p:extLst>
   </p:cSld>
@@ -6298,7 +6225,7 @@
             <a:fld id="{607DEF3C-A2B0-4F78-836D-1A1B1DEE5467}" type="datetime1">
               <a:rPr lang="de-DE" smtClean="0"/>
               <a:pPr rtl="0"/>
-              <a:t>31.10.2020</a:t>
+              <a:t>02.11.2020</a:t>
             </a:fld>
             <a:endParaRPr lang="en-US" dirty="0"/>
           </a:p>
@@ -6352,7 +6279,7 @@
     </p:spTree>
     <p:extLst>
       <p:ext uri="{BB962C8B-B14F-4D97-AF65-F5344CB8AC3E}">
-        <p14:creationId xmlns="" xmlns:p14="http://schemas.microsoft.com/office/powerpoint/2010/main" val="112936382"/>
+        <p14:creationId xmlns:p14="http://schemas.microsoft.com/office/powerpoint/2010/main" val="112936382"/>
       </p:ext>
     </p:extLst>
   </p:cSld>
@@ -6398,7 +6325,7 @@
             <a:fld id="{D971D44B-9C44-467E-B481-41466CDBD2A7}" type="datetime1">
               <a:rPr lang="de-DE" smtClean="0"/>
               <a:pPr rtl="0"/>
-              <a:t>31.10.2020</a:t>
+              <a:t>02.11.2020</a:t>
             </a:fld>
             <a:endParaRPr lang="en-US" dirty="0"/>
           </a:p>
@@ -6452,7 +6379,7 @@
     </p:spTree>
     <p:extLst>
       <p:ext uri="{BB962C8B-B14F-4D97-AF65-F5344CB8AC3E}">
-        <p14:creationId xmlns="" xmlns:p14="http://schemas.microsoft.com/office/powerpoint/2010/main" val="1129494974"/>
+        <p14:creationId xmlns:p14="http://schemas.microsoft.com/office/powerpoint/2010/main" val="1129494974"/>
       </p:ext>
     </p:extLst>
   </p:cSld>
@@ -6756,7 +6683,7 @@
           <p:cNvPr id="8" name="Datumsplatzhalter 7">
             <a:extLst>
               <a:ext uri="{FF2B5EF4-FFF2-40B4-BE49-F238E27FC236}">
-                <a16:creationId xmlns="" xmlns:a16="http://schemas.microsoft.com/office/drawing/2014/main" id="{0B919CC2-2A65-446F-B538-9E6249035445}"/>
+                <a16:creationId xmlns:a16="http://schemas.microsoft.com/office/drawing/2014/main" id="{0B919CC2-2A65-446F-B538-9E6249035445}"/>
               </a:ext>
             </a:extLst>
           </p:cNvPr>
@@ -6781,7 +6708,7 @@
             <a:fld id="{0354EEBD-0E7F-42E6-BE86-4864547D749E}" type="datetime1">
               <a:rPr lang="de-DE" smtClean="0"/>
               <a:pPr rtl="0"/>
-              <a:t>31.10.2020</a:t>
+              <a:t>02.11.2020</a:t>
             </a:fld>
             <a:endParaRPr lang="en-US" dirty="0"/>
           </a:p>
@@ -6792,7 +6719,7 @@
           <p:cNvPr id="10" name="Fußzeilenplatzhalter 9">
             <a:extLst>
               <a:ext uri="{FF2B5EF4-FFF2-40B4-BE49-F238E27FC236}">
-                <a16:creationId xmlns="" xmlns:a16="http://schemas.microsoft.com/office/drawing/2014/main" id="{B72412AE-119E-4982-8B24-63365EFCA796}"/>
+                <a16:creationId xmlns:a16="http://schemas.microsoft.com/office/drawing/2014/main" id="{B72412AE-119E-4982-8B24-63365EFCA796}"/>
               </a:ext>
             </a:extLst>
           </p:cNvPr>
@@ -6823,7 +6750,7 @@
           <p:cNvPr id="11" name="Foliennummernplatzhalter 10">
             <a:extLst>
               <a:ext uri="{FF2B5EF4-FFF2-40B4-BE49-F238E27FC236}">
-                <a16:creationId xmlns="" xmlns:a16="http://schemas.microsoft.com/office/drawing/2014/main" id="{7FC4BB19-6AD1-45CF-9F99-00B109890FAB}"/>
+                <a16:creationId xmlns:a16="http://schemas.microsoft.com/office/drawing/2014/main" id="{7FC4BB19-6AD1-45CF-9F99-00B109890FAB}"/>
               </a:ext>
             </a:extLst>
           </p:cNvPr>
@@ -6857,7 +6784,7 @@
     </p:spTree>
     <p:extLst>
       <p:ext uri="{BB962C8B-B14F-4D97-AF65-F5344CB8AC3E}">
-        <p14:creationId xmlns="" xmlns:p14="http://schemas.microsoft.com/office/powerpoint/2010/main" val="1261766693"/>
+        <p14:creationId xmlns:p14="http://schemas.microsoft.com/office/powerpoint/2010/main" val="1261766693"/>
       </p:ext>
     </p:extLst>
   </p:cSld>
@@ -7080,7 +7007,7 @@
             <a:fld id="{8C7274EF-79A2-4EAD-98EF-7E5BB5EA068D}" type="datetime1">
               <a:rPr lang="de-DE" smtClean="0"/>
               <a:pPr rtl="0"/>
-              <a:t>31.10.2020</a:t>
+              <a:t>02.11.2020</a:t>
             </a:fld>
             <a:endParaRPr lang="en-US" dirty="0"/>
           </a:p>
@@ -7134,7 +7061,7 @@
     </p:spTree>
     <p:extLst>
       <p:ext uri="{BB962C8B-B14F-4D97-AF65-F5344CB8AC3E}">
-        <p14:creationId xmlns="" xmlns:p14="http://schemas.microsoft.com/office/powerpoint/2010/main" val="3573289553"/>
+        <p14:creationId xmlns:p14="http://schemas.microsoft.com/office/powerpoint/2010/main" val="3573289553"/>
       </p:ext>
     </p:extLst>
   </p:cSld>
@@ -7300,7 +7227,7 @@
             <a:fld id="{EDD379EC-906B-4CE5-98C2-3A156331FD9E}" type="datetime1">
               <a:rPr lang="de-DE" smtClean="0"/>
               <a:pPr rtl="0"/>
-              <a:t>31.10.2020</a:t>
+              <a:t>02.11.2020</a:t>
             </a:fld>
             <a:endParaRPr lang="en-US" dirty="0"/>
           </a:p>
@@ -7503,7 +7430,7 @@
     </p:spTree>
     <p:extLst>
       <p:ext uri="{BB962C8B-B14F-4D97-AF65-F5344CB8AC3E}">
-        <p14:creationId xmlns="" xmlns:p14="http://schemas.microsoft.com/office/powerpoint/2010/main" val="3000897896"/>
+        <p14:creationId xmlns:p14="http://schemas.microsoft.com/office/powerpoint/2010/main" val="3000897896"/>
       </p:ext>
     </p:extLst>
   </p:cSld>
@@ -7948,10 +7875,10 @@
           <p:cNvPr id="18" name="Rechteck 17">
             <a:extLst>
               <a:ext uri="{FF2B5EF4-FFF2-40B4-BE49-F238E27FC236}">
-                <a16:creationId xmlns="" xmlns:a16="http://schemas.microsoft.com/office/drawing/2014/main" id="{D6D7A0BC-0046-4CAA-8E7F-DCAFE511EA0E}"/>
+                <a16:creationId xmlns:a16="http://schemas.microsoft.com/office/drawing/2014/main" id="{D6D7A0BC-0046-4CAA-8E7F-DCAFE511EA0E}"/>
               </a:ext>
               <a:ext uri="{C183D7F6-B498-43B3-948B-1728B52AA6E4}">
-                <adec:decorative xmlns="" xmlns:adec="http://schemas.microsoft.com/office/drawing/2017/decorative" val="1"/>
+                <adec:decorative xmlns:adec="http://schemas.microsoft.com/office/drawing/2017/decorative" val="1"/>
               </a:ext>
             </a:extLst>
           </p:cNvPr>
@@ -7961,7 +7888,7 @@
           <p:nvPr>
             <p:extLst>
               <p:ext uri="{386F3935-93C4-4BCD-93E2-E3B085C9AB24}">
-                <p16:designElem xmlns="" xmlns:p16="http://schemas.microsoft.com/office/powerpoint/2015/main" val="1"/>
+                <p16:designElem xmlns:p16="http://schemas.microsoft.com/office/powerpoint/2015/main" val="1"/>
               </p:ext>
             </p:extLst>
           </p:nvPr>
@@ -8008,7 +7935,7 @@
           <p:cNvPr id="2" name="Titel 1">
             <a:extLst>
               <a:ext uri="{FF2B5EF4-FFF2-40B4-BE49-F238E27FC236}">
-                <a16:creationId xmlns="" xmlns:a16="http://schemas.microsoft.com/office/drawing/2014/main" id="{1C21E816-31F5-48BB-BD02-D15F2F18B48A}"/>
+                <a16:creationId xmlns:a16="http://schemas.microsoft.com/office/drawing/2014/main" id="{1C21E816-31F5-48BB-BD02-D15F2F18B48A}"/>
               </a:ext>
             </a:extLst>
           </p:cNvPr>
@@ -8033,10 +7960,9 @@
           <a:p>
             <a:pPr rtl="0"/>
             <a:r>
-              <a:rPr lang="de" dirty="0" smtClean="0"/>
+              <a:rPr lang="de" dirty="0"/>
               <a:t>Chatbots in Python</a:t>
             </a:r>
-            <a:endParaRPr lang="de" dirty="0"/>
           </a:p>
         </p:txBody>
       </p:sp>
@@ -8045,7 +7971,7 @@
           <p:cNvPr id="3" name="Untertitel 2">
             <a:extLst>
               <a:ext uri="{FF2B5EF4-FFF2-40B4-BE49-F238E27FC236}">
-                <a16:creationId xmlns="" xmlns:a16="http://schemas.microsoft.com/office/drawing/2014/main" id="{835D6E6B-3353-491C-A3C6-F278D6CED8B3}"/>
+                <a16:creationId xmlns:a16="http://schemas.microsoft.com/office/drawing/2014/main" id="{835D6E6B-3353-491C-A3C6-F278D6CED8B3}"/>
               </a:ext>
             </a:extLst>
           </p:cNvPr>
@@ -8064,7 +7990,7 @@
         </p:spPr>
         <p:txBody>
           <a:bodyPr rtlCol="0">
-            <a:normAutofit fontScale="92500" lnSpcReduction="10000"/>
+            <a:normAutofit fontScale="92500"/>
           </a:bodyPr>
           <a:lstStyle/>
           <a:p>
@@ -8088,10 +8014,10 @@
           <p:cNvPr id="20" name="Rechteck 19">
             <a:extLst>
               <a:ext uri="{FF2B5EF4-FFF2-40B4-BE49-F238E27FC236}">
-                <a16:creationId xmlns="" xmlns:a16="http://schemas.microsoft.com/office/drawing/2014/main" id="{E7C6334F-6411-41EC-AD7D-179EDD8B58CB}"/>
+                <a16:creationId xmlns:a16="http://schemas.microsoft.com/office/drawing/2014/main" id="{E7C6334F-6411-41EC-AD7D-179EDD8B58CB}"/>
               </a:ext>
               <a:ext uri="{C183D7F6-B498-43B3-948B-1728B52AA6E4}">
-                <adec:decorative xmlns="" xmlns:adec="http://schemas.microsoft.com/office/drawing/2017/decorative" val="1"/>
+                <adec:decorative xmlns:adec="http://schemas.microsoft.com/office/drawing/2017/decorative" val="1"/>
               </a:ext>
             </a:extLst>
           </p:cNvPr>
@@ -8101,7 +8027,7 @@
           <p:nvPr>
             <p:extLst>
               <p:ext uri="{386F3935-93C4-4BCD-93E2-E3B085C9AB24}">
-                <p16:designElem xmlns="" xmlns:p16="http://schemas.microsoft.com/office/powerpoint/2015/main" val="1"/>
+                <p16:designElem xmlns:p16="http://schemas.microsoft.com/office/powerpoint/2015/main" val="1"/>
               </p:ext>
             </p:extLst>
           </p:nvPr>
@@ -8142,10 +8068,10 @@
           <p:cNvPr id="22" name="Rechteck 21">
             <a:extLst>
               <a:ext uri="{FF2B5EF4-FFF2-40B4-BE49-F238E27FC236}">
-                <a16:creationId xmlns="" xmlns:a16="http://schemas.microsoft.com/office/drawing/2014/main" id="{E6B02CEE-3AF8-4349-9B3E-8970E6DF62B3}"/>
+                <a16:creationId xmlns:a16="http://schemas.microsoft.com/office/drawing/2014/main" id="{E6B02CEE-3AF8-4349-9B3E-8970E6DF62B3}"/>
               </a:ext>
               <a:ext uri="{C183D7F6-B498-43B3-948B-1728B52AA6E4}">
-                <adec:decorative xmlns="" xmlns:adec="http://schemas.microsoft.com/office/drawing/2017/decorative" val="1"/>
+                <adec:decorative xmlns:adec="http://schemas.microsoft.com/office/drawing/2017/decorative" val="1"/>
               </a:ext>
             </a:extLst>
           </p:cNvPr>
@@ -8155,7 +8081,7 @@
           <p:nvPr>
             <p:extLst>
               <p:ext uri="{386F3935-93C4-4BCD-93E2-E3B085C9AB24}">
-                <p16:designElem xmlns="" xmlns:p16="http://schemas.microsoft.com/office/powerpoint/2015/main" val="1"/>
+                <p16:designElem xmlns:p16="http://schemas.microsoft.com/office/powerpoint/2015/main" val="1"/>
               </p:ext>
             </p:extLst>
           </p:nvPr>
@@ -8196,10 +8122,10 @@
           <p:cNvPr id="24" name="Rechteck 23">
             <a:extLst>
               <a:ext uri="{FF2B5EF4-FFF2-40B4-BE49-F238E27FC236}">
-                <a16:creationId xmlns="" xmlns:a16="http://schemas.microsoft.com/office/drawing/2014/main" id="{AAA01CF0-3FB5-44EB-B7DE-F2E86374C2FB}"/>
+                <a16:creationId xmlns:a16="http://schemas.microsoft.com/office/drawing/2014/main" id="{AAA01CF0-3FB5-44EB-B7DE-F2E86374C2FB}"/>
               </a:ext>
               <a:ext uri="{C183D7F6-B498-43B3-948B-1728B52AA6E4}">
-                <adec:decorative xmlns="" xmlns:adec="http://schemas.microsoft.com/office/drawing/2017/decorative" val="1"/>
+                <adec:decorative xmlns:adec="http://schemas.microsoft.com/office/drawing/2017/decorative" val="1"/>
               </a:ext>
             </a:extLst>
           </p:cNvPr>
@@ -8209,7 +8135,7 @@
           <p:nvPr>
             <p:extLst>
               <p:ext uri="{386F3935-93C4-4BCD-93E2-E3B085C9AB24}">
-                <p16:designElem xmlns="" xmlns:p16="http://schemas.microsoft.com/office/powerpoint/2015/main" val="1"/>
+                <p16:designElem xmlns:p16="http://schemas.microsoft.com/office/powerpoint/2015/main" val="1"/>
               </p:ext>
             </p:extLst>
           </p:nvPr>
@@ -8250,7 +8176,7 @@
           <p:cNvPr id="6" name="Bild 5" descr="Nahaufnahme eines Logos&#10;&#10;Beschreibung wird automatisch generiert">
             <a:extLst>
               <a:ext uri="{FF2B5EF4-FFF2-40B4-BE49-F238E27FC236}">
-                <a16:creationId xmlns="" xmlns:a16="http://schemas.microsoft.com/office/drawing/2014/main" id="{F1A8C364-94D4-4630-BAD0-78722F347055}"/>
+                <a16:creationId xmlns:a16="http://schemas.microsoft.com/office/drawing/2014/main" id="{F1A8C364-94D4-4630-BAD0-78722F347055}"/>
               </a:ext>
             </a:extLst>
           </p:cNvPr>
@@ -8263,7 +8189,7 @@
           <a:blip r:embed="rId2" cstate="print">
             <a:extLst>
               <a:ext uri="{28A0092B-C50C-407E-A947-70E740481C1C}">
-                <a14:useLocalDpi xmlns="" xmlns:a14="http://schemas.microsoft.com/office/drawing/2010/main" val="0"/>
+                <a14:useLocalDpi xmlns:a14="http://schemas.microsoft.com/office/drawing/2010/main" val="0"/>
               </a:ext>
             </a:extLst>
           </a:blip>
@@ -8283,7 +8209,7 @@
     </p:spTree>
     <p:extLst>
       <p:ext uri="{BB962C8B-B14F-4D97-AF65-F5344CB8AC3E}">
-        <p14:creationId xmlns="" xmlns:p14="http://schemas.microsoft.com/office/powerpoint/2010/main" val="2475805559"/>
+        <p14:creationId xmlns:p14="http://schemas.microsoft.com/office/powerpoint/2010/main" val="2475805559"/>
       </p:ext>
     </p:extLst>
   </p:cSld>
@@ -8315,7 +8241,7 @@
           <p:cNvPr id="2" name="Titel 1">
             <a:extLst>
               <a:ext uri="{FF2B5EF4-FFF2-40B4-BE49-F238E27FC236}">
-                <a16:creationId xmlns="" xmlns:a16="http://schemas.microsoft.com/office/drawing/2014/main" id="{9C67003D-A81A-4EA8-A096-91F39C8DE4CE}"/>
+                <a16:creationId xmlns:a16="http://schemas.microsoft.com/office/drawing/2014/main" id="{9C67003D-A81A-4EA8-A096-91F39C8DE4CE}"/>
               </a:ext>
             </a:extLst>
           </p:cNvPr>
@@ -8332,18 +8258,17 @@
           <a:lstStyle/>
           <a:p>
             <a:r>
-              <a:rPr lang="de-DE" dirty="0" smtClean="0"/>
+              <a:rPr lang="de-DE" dirty="0"/>
               <a:t>Bekannte Offline </a:t>
             </a:r>
             <a:r>
-              <a:rPr lang="de-DE" dirty="0" err="1" smtClean="0"/>
+              <a:rPr lang="de-DE" dirty="0" err="1"/>
               <a:t>Chatbot</a:t>
             </a:r>
             <a:r>
-              <a:rPr lang="de-DE" dirty="0" smtClean="0"/>
+              <a:rPr lang="de-DE" dirty="0"/>
               <a:t>-Bibliotheken für Python</a:t>
             </a:r>
-            <a:endParaRPr lang="de-DE" dirty="0"/>
           </a:p>
         </p:txBody>
       </p:sp>
@@ -8352,7 +8277,7 @@
           <p:cNvPr id="3" name="Inhaltsplatzhalter 2">
             <a:extLst>
               <a:ext uri="{FF2B5EF4-FFF2-40B4-BE49-F238E27FC236}">
-                <a16:creationId xmlns="" xmlns:a16="http://schemas.microsoft.com/office/drawing/2014/main" id="{F6E85F35-8637-4614-981B-D01B53DED1C0}"/>
+                <a16:creationId xmlns:a16="http://schemas.microsoft.com/office/drawing/2014/main" id="{F6E85F35-8637-4614-981B-D01B53DED1C0}"/>
               </a:ext>
             </a:extLst>
           </p:cNvPr>
@@ -8376,46 +8301,46 @@
           <a:lstStyle/>
           <a:p>
             <a:r>
-              <a:rPr lang="de-DE" dirty="0" smtClean="0"/>
+              <a:rPr lang="de-DE" dirty="0"/>
               <a:t>Warum nicht NLTK oder </a:t>
             </a:r>
             <a:r>
-              <a:rPr lang="de-DE" dirty="0" err="1" smtClean="0"/>
+              <a:rPr lang="de-DE" dirty="0" err="1"/>
               <a:t>SpaCy</a:t>
             </a:r>
             <a:r>
-              <a:rPr lang="de-DE" dirty="0" smtClean="0"/>
+              <a:rPr lang="de-DE" dirty="0"/>
               <a:t>?</a:t>
             </a:r>
           </a:p>
           <a:p>
             <a:pPr lvl="1"/>
             <a:r>
-              <a:rPr lang="de-DE" dirty="0" smtClean="0"/>
+              <a:rPr lang="de-DE" dirty="0"/>
               <a:t>Helfen bei NLP (Natural Language Processing) .z.B. </a:t>
             </a:r>
             <a:r>
-              <a:rPr lang="de-DE" dirty="0" err="1" smtClean="0"/>
+              <a:rPr lang="de-DE" dirty="0" err="1"/>
               <a:t>Tokenization</a:t>
             </a:r>
             <a:r>
-              <a:rPr lang="de-DE" dirty="0" smtClean="0"/>
+              <a:rPr lang="de-DE" dirty="0"/>
               <a:t>, Part-</a:t>
             </a:r>
             <a:r>
-              <a:rPr lang="de-DE" dirty="0" err="1" smtClean="0"/>
+              <a:rPr lang="de-DE" dirty="0" err="1"/>
               <a:t>Of</a:t>
             </a:r>
             <a:r>
-              <a:rPr lang="de-DE" dirty="0" smtClean="0"/>
+              <a:rPr lang="de-DE" dirty="0"/>
               <a:t>-Speech </a:t>
             </a:r>
             <a:r>
-              <a:rPr lang="de-DE" dirty="0" err="1" smtClean="0"/>
+              <a:rPr lang="de-DE" dirty="0" err="1"/>
               <a:t>Tagging</a:t>
             </a:r>
             <a:r>
-              <a:rPr lang="de-DE" dirty="0" smtClean="0"/>
+              <a:rPr lang="de-DE" dirty="0"/>
               <a:t> … aber lassen uns die eigentliche Arbeit selber machen</a:t>
             </a:r>
           </a:p>
@@ -8430,7 +8355,7 @@
           <p:cNvPr id="4" name="Datumsplatzhalter 3">
             <a:extLst>
               <a:ext uri="{FF2B5EF4-FFF2-40B4-BE49-F238E27FC236}">
-                <a16:creationId xmlns="" xmlns:a16="http://schemas.microsoft.com/office/drawing/2014/main" id="{9CA09DCD-8628-4ABE-B982-9B6EFDD56F78}"/>
+                <a16:creationId xmlns:a16="http://schemas.microsoft.com/office/drawing/2014/main" id="{9CA09DCD-8628-4ABE-B982-9B6EFDD56F78}"/>
               </a:ext>
             </a:extLst>
           </p:cNvPr>
@@ -8450,7 +8375,7 @@
             <a:fld id="{83627DD0-092D-4AD9-AAE0-0513E170352E}" type="datetime1">
               <a:rPr lang="de-DE" smtClean="0"/>
               <a:pPr rtl="0"/>
-              <a:t>31.10.2020</a:t>
+              <a:t>02.11.2020</a:t>
             </a:fld>
             <a:endParaRPr lang="en-US" dirty="0"/>
           </a:p>
@@ -8475,10 +8400,34 @@
                 <a:tableStyleId>{5C22544A-7EE6-4342-B048-85BDC9FD1C3A}</a:tableStyleId>
               </a:tblPr>
               <a:tblGrid>
-                <a:gridCol w="2352288"/>
-                <a:gridCol w="2352288"/>
-                <a:gridCol w="2352288"/>
-                <a:gridCol w="2352288"/>
+                <a:gridCol w="2352288">
+                  <a:extLst>
+                    <a:ext uri="{9D8B030D-6E8A-4147-A177-3AD203B41FA5}">
+                      <a16:colId xmlns:a16="http://schemas.microsoft.com/office/drawing/2014/main" val="20000"/>
+                    </a:ext>
+                  </a:extLst>
+                </a:gridCol>
+                <a:gridCol w="2352288">
+                  <a:extLst>
+                    <a:ext uri="{9D8B030D-6E8A-4147-A177-3AD203B41FA5}">
+                      <a16:colId xmlns:a16="http://schemas.microsoft.com/office/drawing/2014/main" val="20001"/>
+                    </a:ext>
+                  </a:extLst>
+                </a:gridCol>
+                <a:gridCol w="2352288">
+                  <a:extLst>
+                    <a:ext uri="{9D8B030D-6E8A-4147-A177-3AD203B41FA5}">
+                      <a16:colId xmlns:a16="http://schemas.microsoft.com/office/drawing/2014/main" val="20002"/>
+                    </a:ext>
+                  </a:extLst>
+                </a:gridCol>
+                <a:gridCol w="2352288">
+                  <a:extLst>
+                    <a:ext uri="{9D8B030D-6E8A-4147-A177-3AD203B41FA5}">
+                      <a16:colId xmlns:a16="http://schemas.microsoft.com/office/drawing/2014/main" val="20003"/>
+                    </a:ext>
+                  </a:extLst>
+                </a:gridCol>
               </a:tblGrid>
               <a:tr h="370840">
                 <a:tc>
@@ -8487,10 +8436,9 @@
                     <a:lstStyle/>
                     <a:p>
                       <a:r>
-                        <a:rPr lang="de-DE" dirty="0" smtClean="0"/>
+                        <a:rPr lang="de-DE" dirty="0"/>
                         <a:t>Name</a:t>
                       </a:r>
-                      <a:endParaRPr lang="de-DE" dirty="0"/>
                     </a:p>
                   </a:txBody>
                   <a:tcPr/>
@@ -8501,14 +8449,13 @@
                     <a:lstStyle/>
                     <a:p>
                       <a:r>
-                        <a:rPr lang="de-DE" dirty="0" err="1" smtClean="0"/>
+                        <a:rPr lang="de-DE" dirty="0" err="1"/>
                         <a:t>Machine</a:t>
                       </a:r>
                       <a:r>
-                        <a:rPr lang="de-DE" dirty="0" smtClean="0"/>
+                        <a:rPr lang="de-DE" dirty="0"/>
                         <a:t> Learning</a:t>
                       </a:r>
-                      <a:endParaRPr lang="de-DE" dirty="0"/>
                     </a:p>
                   </a:txBody>
                   <a:tcPr/>
@@ -8519,14 +8466,13 @@
                     <a:lstStyle/>
                     <a:p>
                       <a:r>
-                        <a:rPr lang="de-DE" dirty="0" err="1" smtClean="0"/>
+                        <a:rPr lang="de-DE" dirty="0" err="1"/>
                         <a:t>Intent</a:t>
                       </a:r>
                       <a:r>
-                        <a:rPr lang="de-DE" dirty="0" smtClean="0"/>
+                        <a:rPr lang="de-DE" dirty="0"/>
                         <a:t>-Behandlung</a:t>
                       </a:r>
-                      <a:endParaRPr lang="de-DE" dirty="0"/>
                     </a:p>
                   </a:txBody>
                   <a:tcPr/>
@@ -8537,14 +8483,18 @@
                     <a:lstStyle/>
                     <a:p>
                       <a:r>
-                        <a:rPr lang="de-DE" dirty="0" smtClean="0"/>
+                        <a:rPr lang="de-DE" dirty="0"/>
                         <a:t>Sprachen</a:t>
                       </a:r>
-                      <a:endParaRPr lang="de-DE" dirty="0"/>
                     </a:p>
                   </a:txBody>
                   <a:tcPr/>
                 </a:tc>
+                <a:extLst>
+                  <a:ext uri="{0D108BD9-81ED-4DB2-BD59-A6C34878D82A}">
+                    <a16:rowId xmlns:a16="http://schemas.microsoft.com/office/drawing/2014/main" val="10000"/>
+                  </a:ext>
+                </a:extLst>
               </a:tr>
               <a:tr h="370840">
                 <a:tc>
@@ -8553,11 +8503,11 @@
                     <a:lstStyle/>
                     <a:p>
                       <a:r>
-                        <a:rPr lang="de-DE" dirty="0" smtClean="0"/>
+                        <a:rPr lang="de-DE" dirty="0"/>
                         <a:t>rasa</a:t>
                       </a:r>
                       <a:r>
-                        <a:rPr lang="de-DE" baseline="0" dirty="0" smtClean="0"/>
+                        <a:rPr lang="de-DE" baseline="0" dirty="0"/>
                         <a:t> NLU</a:t>
                       </a:r>
                       <a:endParaRPr lang="de-DE" dirty="0"/>
@@ -8571,10 +8521,9 @@
                     <a:lstStyle/>
                     <a:p>
                       <a:r>
-                        <a:rPr lang="de-DE" dirty="0" smtClean="0"/>
+                        <a:rPr lang="de-DE" dirty="0"/>
                         <a:t>Ja</a:t>
                       </a:r>
-                      <a:endParaRPr lang="de-DE" dirty="0"/>
                     </a:p>
                   </a:txBody>
                   <a:tcPr/>
@@ -8585,10 +8534,9 @@
                     <a:lstStyle/>
                     <a:p>
                       <a:r>
-                        <a:rPr lang="de-DE" dirty="0" smtClean="0"/>
+                        <a:rPr lang="de-DE" dirty="0"/>
                         <a:t>Ja</a:t>
                       </a:r>
-                      <a:endParaRPr lang="de-DE" dirty="0"/>
                     </a:p>
                   </a:txBody>
                   <a:tcPr/>
@@ -8599,14 +8547,18 @@
                     <a:lstStyle/>
                     <a:p>
                       <a:r>
-                        <a:rPr lang="de-DE" dirty="0" smtClean="0"/>
+                        <a:rPr lang="de-DE" dirty="0"/>
                         <a:t>Mehrere</a:t>
                       </a:r>
-                      <a:endParaRPr lang="de-DE" dirty="0"/>
                     </a:p>
                   </a:txBody>
                   <a:tcPr/>
                 </a:tc>
+                <a:extLst>
+                  <a:ext uri="{0D108BD9-81ED-4DB2-BD59-A6C34878D82A}">
+                    <a16:rowId xmlns:a16="http://schemas.microsoft.com/office/drawing/2014/main" val="10001"/>
+                  </a:ext>
+                </a:extLst>
               </a:tr>
               <a:tr h="370840">
                 <a:tc>
@@ -8615,7 +8567,7 @@
                     <a:lstStyle/>
                     <a:p>
                       <a:r>
-                        <a:rPr lang="de-DE" dirty="0" err="1" smtClean="0"/>
+                        <a:rPr lang="de-DE" dirty="0" err="1"/>
                         <a:t>ChatterBot</a:t>
                       </a:r>
                       <a:endParaRPr lang="de-DE" dirty="0"/>
@@ -8629,10 +8581,9 @@
                     <a:lstStyle/>
                     <a:p>
                       <a:r>
-                        <a:rPr lang="de-DE" dirty="0" smtClean="0"/>
+                        <a:rPr lang="de-DE" dirty="0"/>
                         <a:t>Ja</a:t>
                       </a:r>
-                      <a:endParaRPr lang="de-DE" dirty="0"/>
                     </a:p>
                   </a:txBody>
                   <a:tcPr/>
@@ -8643,10 +8594,9 @@
                     <a:lstStyle/>
                     <a:p>
                       <a:r>
-                        <a:rPr lang="de-DE" dirty="0" smtClean="0"/>
+                        <a:rPr lang="de-DE" dirty="0"/>
                         <a:t>Nein</a:t>
                       </a:r>
-                      <a:endParaRPr lang="de-DE" dirty="0"/>
                     </a:p>
                   </a:txBody>
                   <a:tcPr/>
@@ -8657,14 +8607,18 @@
                     <a:lstStyle/>
                     <a:p>
                       <a:r>
-                        <a:rPr lang="de-DE" dirty="0" smtClean="0"/>
+                        <a:rPr lang="de-DE" dirty="0"/>
                         <a:t>Mehrere</a:t>
                       </a:r>
-                      <a:endParaRPr lang="de-DE" dirty="0"/>
                     </a:p>
                   </a:txBody>
                   <a:tcPr/>
                 </a:tc>
+                <a:extLst>
+                  <a:ext uri="{0D108BD9-81ED-4DB2-BD59-A6C34878D82A}">
+                    <a16:rowId xmlns:a16="http://schemas.microsoft.com/office/drawing/2014/main" val="10002"/>
+                  </a:ext>
+                </a:extLst>
               </a:tr>
               <a:tr h="370840">
                 <a:tc>
@@ -8673,7 +8627,7 @@
                     <a:lstStyle/>
                     <a:p>
                       <a:r>
-                        <a:rPr lang="de-DE" dirty="0" err="1" smtClean="0"/>
+                        <a:rPr lang="de-DE" dirty="0" err="1"/>
                         <a:t>ChatbotAI</a:t>
                       </a:r>
                       <a:endParaRPr lang="de-DE" dirty="0"/>
@@ -8687,10 +8641,9 @@
                     <a:lstStyle/>
                     <a:p>
                       <a:r>
-                        <a:rPr lang="de-DE" dirty="0" smtClean="0"/>
+                        <a:rPr lang="de-DE" dirty="0"/>
                         <a:t>Nein</a:t>
                       </a:r>
-                      <a:endParaRPr lang="de-DE" dirty="0"/>
                     </a:p>
                   </a:txBody>
                   <a:tcPr/>
@@ -8701,10 +8654,9 @@
                     <a:lstStyle/>
                     <a:p>
                       <a:r>
-                        <a:rPr lang="de-DE" dirty="0" smtClean="0"/>
+                        <a:rPr lang="de-DE" dirty="0"/>
                         <a:t>Ja</a:t>
                       </a:r>
-                      <a:endParaRPr lang="de-DE" dirty="0"/>
                     </a:p>
                   </a:txBody>
                   <a:tcPr/>
@@ -8715,14 +8667,18 @@
                     <a:lstStyle/>
                     <a:p>
                       <a:r>
-                        <a:rPr lang="de-DE" dirty="0" smtClean="0"/>
+                        <a:rPr lang="de-DE" dirty="0"/>
                         <a:t>Englisch, Deutsch</a:t>
                       </a:r>
-                      <a:endParaRPr lang="de-DE" dirty="0"/>
                     </a:p>
                   </a:txBody>
                   <a:tcPr/>
                 </a:tc>
+                <a:extLst>
+                  <a:ext uri="{0D108BD9-81ED-4DB2-BD59-A6C34878D82A}">
+                    <a16:rowId xmlns:a16="http://schemas.microsoft.com/office/drawing/2014/main" val="10003"/>
+                  </a:ext>
+                </a:extLst>
               </a:tr>
               <a:tr h="370840">
                 <a:tc>
@@ -8731,14 +8687,13 @@
                     <a:lstStyle/>
                     <a:p>
                       <a:r>
-                        <a:rPr lang="de-DE" dirty="0" err="1" smtClean="0"/>
+                        <a:rPr lang="de-DE" dirty="0" err="1"/>
                         <a:t>Snips</a:t>
                       </a:r>
                       <a:r>
-                        <a:rPr lang="de-DE" dirty="0" smtClean="0"/>
+                        <a:rPr lang="de-DE" dirty="0"/>
                         <a:t>-NLU</a:t>
                       </a:r>
-                      <a:endParaRPr lang="de-DE" dirty="0"/>
                     </a:p>
                   </a:txBody>
                   <a:tcPr/>
@@ -8749,10 +8704,9 @@
                     <a:lstStyle/>
                     <a:p>
                       <a:r>
-                        <a:rPr lang="de-DE" dirty="0" smtClean="0"/>
+                        <a:rPr lang="de-DE" dirty="0"/>
                         <a:t>Ja</a:t>
                       </a:r>
-                      <a:endParaRPr lang="de-DE" dirty="0"/>
                     </a:p>
                   </a:txBody>
                   <a:tcPr/>
@@ -8763,10 +8717,9 @@
                     <a:lstStyle/>
                     <a:p>
                       <a:r>
-                        <a:rPr lang="de-DE" dirty="0" smtClean="0"/>
+                        <a:rPr lang="de-DE" dirty="0"/>
                         <a:t>Ja</a:t>
                       </a:r>
-                      <a:endParaRPr lang="de-DE" dirty="0"/>
                     </a:p>
                   </a:txBody>
                   <a:tcPr/>
@@ -8777,14 +8730,18 @@
                     <a:lstStyle/>
                     <a:p>
                       <a:r>
-                        <a:rPr lang="de-DE" dirty="0" smtClean="0"/>
+                        <a:rPr lang="de-DE" dirty="0"/>
                         <a:t>Mehrere</a:t>
                       </a:r>
-                      <a:endParaRPr lang="de-DE" dirty="0"/>
                     </a:p>
                   </a:txBody>
                   <a:tcPr/>
                 </a:tc>
+                <a:extLst>
+                  <a:ext uri="{0D108BD9-81ED-4DB2-BD59-A6C34878D82A}">
+                    <a16:rowId xmlns:a16="http://schemas.microsoft.com/office/drawing/2014/main" val="10004"/>
+                  </a:ext>
+                </a:extLst>
               </a:tr>
               <a:tr h="370840">
                 <a:tc>
@@ -8793,10 +8750,9 @@
                     <a:lstStyle/>
                     <a:p>
                       <a:r>
-                        <a:rPr lang="de-DE" dirty="0" smtClean="0"/>
+                        <a:rPr lang="de-DE" dirty="0"/>
                         <a:t>Transformers</a:t>
                       </a:r>
-                      <a:endParaRPr lang="de-DE" dirty="0"/>
                     </a:p>
                   </a:txBody>
                   <a:tcPr/>
@@ -8807,10 +8763,9 @@
                     <a:lstStyle/>
                     <a:p>
                       <a:r>
-                        <a:rPr lang="de-DE" dirty="0" smtClean="0"/>
+                        <a:rPr lang="de-DE" dirty="0"/>
                         <a:t>Ja</a:t>
                       </a:r>
-                      <a:endParaRPr lang="de-DE" dirty="0"/>
                     </a:p>
                   </a:txBody>
                   <a:tcPr/>
@@ -8821,10 +8776,9 @@
                     <a:lstStyle/>
                     <a:p>
                       <a:r>
-                        <a:rPr lang="de-DE" dirty="0" smtClean="0"/>
+                        <a:rPr lang="de-DE" dirty="0"/>
                         <a:t>Nein</a:t>
                       </a:r>
-                      <a:endParaRPr lang="de-DE" dirty="0"/>
                     </a:p>
                   </a:txBody>
                   <a:tcPr/>
@@ -8835,14 +8789,18 @@
                     <a:lstStyle/>
                     <a:p>
                       <a:r>
-                        <a:rPr lang="de-DE" dirty="0" smtClean="0"/>
+                        <a:rPr lang="de-DE" dirty="0"/>
                         <a:t>Mehrere</a:t>
                       </a:r>
-                      <a:endParaRPr lang="de-DE" dirty="0"/>
                     </a:p>
                   </a:txBody>
                   <a:tcPr/>
                 </a:tc>
+                <a:extLst>
+                  <a:ext uri="{0D108BD9-81ED-4DB2-BD59-A6C34878D82A}">
+                    <a16:rowId xmlns:a16="http://schemas.microsoft.com/office/drawing/2014/main" val="10005"/>
+                  </a:ext>
+                </a:extLst>
               </a:tr>
               <a:tr h="370840">
                 <a:tc>
@@ -8851,7 +8809,7 @@
                     <a:lstStyle/>
                     <a:p>
                       <a:r>
-                        <a:rPr lang="de-DE" dirty="0" err="1" smtClean="0"/>
+                        <a:rPr lang="de-DE" dirty="0" err="1"/>
                         <a:t>DeepPavlov</a:t>
                       </a:r>
                       <a:endParaRPr lang="de-DE" dirty="0"/>
@@ -8865,10 +8823,9 @@
                     <a:lstStyle/>
                     <a:p>
                       <a:r>
-                        <a:rPr lang="de-DE" dirty="0" smtClean="0"/>
+                        <a:rPr lang="de-DE" dirty="0"/>
                         <a:t>Ja</a:t>
                       </a:r>
-                      <a:endParaRPr lang="de-DE" dirty="0"/>
                     </a:p>
                   </a:txBody>
                   <a:tcPr/>
@@ -8879,10 +8836,9 @@
                     <a:lstStyle/>
                     <a:p>
                       <a:r>
-                        <a:rPr lang="de-DE" dirty="0" smtClean="0"/>
+                        <a:rPr lang="de-DE" dirty="0"/>
                         <a:t>Ja</a:t>
                       </a:r>
-                      <a:endParaRPr lang="de-DE" dirty="0"/>
                     </a:p>
                   </a:txBody>
                   <a:tcPr/>
@@ -8893,14 +8849,18 @@
                     <a:lstStyle/>
                     <a:p>
                       <a:r>
-                        <a:rPr lang="de-DE" dirty="0" smtClean="0"/>
+                        <a:rPr lang="de-DE" dirty="0"/>
                         <a:t>Mehrere</a:t>
                       </a:r>
-                      <a:endParaRPr lang="de-DE" dirty="0"/>
                     </a:p>
                   </a:txBody>
                   <a:tcPr/>
                 </a:tc>
+                <a:extLst>
+                  <a:ext uri="{0D108BD9-81ED-4DB2-BD59-A6C34878D82A}">
+                    <a16:rowId xmlns:a16="http://schemas.microsoft.com/office/drawing/2014/main" val="10006"/>
+                  </a:ext>
+                </a:extLst>
               </a:tr>
             </a:tbl>
           </a:graphicData>
@@ -8909,7 +8869,7 @@
     </p:spTree>
     <p:extLst>
       <p:ext uri="{BB962C8B-B14F-4D97-AF65-F5344CB8AC3E}">
-        <p14:creationId xmlns="" xmlns:p14="http://schemas.microsoft.com/office/powerpoint/2010/main" val="3968712708"/>
+        <p14:creationId xmlns:p14="http://schemas.microsoft.com/office/powerpoint/2010/main" val="3968712708"/>
       </p:ext>
     </p:extLst>
   </p:cSld>
@@ -8941,7 +8901,7 @@
           <p:cNvPr id="2" name="Titel 1">
             <a:extLst>
               <a:ext uri="{FF2B5EF4-FFF2-40B4-BE49-F238E27FC236}">
-                <a16:creationId xmlns="" xmlns:a16="http://schemas.microsoft.com/office/drawing/2014/main" id="{9C67003D-A81A-4EA8-A096-91F39C8DE4CE}"/>
+                <a16:creationId xmlns:a16="http://schemas.microsoft.com/office/drawing/2014/main" id="{9C67003D-A81A-4EA8-A096-91F39C8DE4CE}"/>
               </a:ext>
             </a:extLst>
           </p:cNvPr>
@@ -8958,18 +8918,17 @@
           <a:lstStyle/>
           <a:p>
             <a:r>
-              <a:rPr lang="de-DE" dirty="0" smtClean="0"/>
+              <a:rPr lang="de-DE" dirty="0"/>
               <a:t>Bekannte Offline </a:t>
             </a:r>
             <a:r>
-              <a:rPr lang="de-DE" dirty="0" err="1" smtClean="0"/>
+              <a:rPr lang="de-DE" dirty="0" err="1"/>
               <a:t>Chatbot</a:t>
             </a:r>
             <a:r>
-              <a:rPr lang="de-DE" dirty="0" smtClean="0"/>
+              <a:rPr lang="de-DE" dirty="0"/>
               <a:t>-Bibliotheken für Python</a:t>
             </a:r>
-            <a:endParaRPr lang="de-DE" dirty="0"/>
           </a:p>
         </p:txBody>
       </p:sp>
@@ -8978,7 +8937,7 @@
           <p:cNvPr id="3" name="Inhaltsplatzhalter 2">
             <a:extLst>
               <a:ext uri="{FF2B5EF4-FFF2-40B4-BE49-F238E27FC236}">
-                <a16:creationId xmlns="" xmlns:a16="http://schemas.microsoft.com/office/drawing/2014/main" id="{F6E85F35-8637-4614-981B-D01B53DED1C0}"/>
+                <a16:creationId xmlns:a16="http://schemas.microsoft.com/office/drawing/2014/main" id="{F6E85F35-8637-4614-981B-D01B53DED1C0}"/>
               </a:ext>
             </a:extLst>
           </p:cNvPr>
@@ -9002,46 +8961,46 @@
           <a:lstStyle/>
           <a:p>
             <a:r>
-              <a:rPr lang="de-DE" dirty="0" smtClean="0"/>
+              <a:rPr lang="de-DE" dirty="0"/>
               <a:t>Warum nicht NLTK oder </a:t>
             </a:r>
             <a:r>
-              <a:rPr lang="de-DE" dirty="0" err="1" smtClean="0"/>
+              <a:rPr lang="de-DE" dirty="0" err="1"/>
               <a:t>SpaCy</a:t>
             </a:r>
             <a:r>
-              <a:rPr lang="de-DE" dirty="0" smtClean="0"/>
+              <a:rPr lang="de-DE" dirty="0"/>
               <a:t>?</a:t>
             </a:r>
           </a:p>
           <a:p>
             <a:pPr lvl="1"/>
             <a:r>
-              <a:rPr lang="de-DE" dirty="0" smtClean="0"/>
+              <a:rPr lang="de-DE" dirty="0"/>
               <a:t>Helfen bei NLP (Natural Language Processing) .z.B. </a:t>
             </a:r>
             <a:r>
-              <a:rPr lang="de-DE" dirty="0" err="1" smtClean="0"/>
+              <a:rPr lang="de-DE" dirty="0" err="1"/>
               <a:t>Tokenization</a:t>
             </a:r>
             <a:r>
-              <a:rPr lang="de-DE" dirty="0" smtClean="0"/>
+              <a:rPr lang="de-DE" dirty="0"/>
               <a:t>, Part-</a:t>
             </a:r>
             <a:r>
-              <a:rPr lang="de-DE" dirty="0" err="1" smtClean="0"/>
+              <a:rPr lang="de-DE" dirty="0" err="1"/>
               <a:t>Of</a:t>
             </a:r>
             <a:r>
-              <a:rPr lang="de-DE" dirty="0" smtClean="0"/>
+              <a:rPr lang="de-DE" dirty="0"/>
               <a:t>-Speech </a:t>
             </a:r>
             <a:r>
-              <a:rPr lang="de-DE" dirty="0" err="1" smtClean="0"/>
+              <a:rPr lang="de-DE" dirty="0" err="1"/>
               <a:t>Tagging</a:t>
             </a:r>
             <a:r>
-              <a:rPr lang="de-DE" dirty="0" smtClean="0"/>
+              <a:rPr lang="de-DE" dirty="0"/>
               <a:t> … aber lassen uns die eigentliche Arbeit selber machen</a:t>
             </a:r>
           </a:p>
@@ -9056,7 +9015,7 @@
           <p:cNvPr id="4" name="Datumsplatzhalter 3">
             <a:extLst>
               <a:ext uri="{FF2B5EF4-FFF2-40B4-BE49-F238E27FC236}">
-                <a16:creationId xmlns="" xmlns:a16="http://schemas.microsoft.com/office/drawing/2014/main" id="{9CA09DCD-8628-4ABE-B982-9B6EFDD56F78}"/>
+                <a16:creationId xmlns:a16="http://schemas.microsoft.com/office/drawing/2014/main" id="{9CA09DCD-8628-4ABE-B982-9B6EFDD56F78}"/>
               </a:ext>
             </a:extLst>
           </p:cNvPr>
@@ -9076,7 +9035,7 @@
             <a:fld id="{83627DD0-092D-4AD9-AAE0-0513E170352E}" type="datetime1">
               <a:rPr lang="de-DE" smtClean="0"/>
               <a:pPr rtl="0"/>
-              <a:t>31.10.2020</a:t>
+              <a:t>02.11.2020</a:t>
             </a:fld>
             <a:endParaRPr lang="en-US" dirty="0"/>
           </a:p>
@@ -9101,10 +9060,34 @@
                 <a:tableStyleId>{5C22544A-7EE6-4342-B048-85BDC9FD1C3A}</a:tableStyleId>
               </a:tblPr>
               <a:tblGrid>
-                <a:gridCol w="2352288"/>
-                <a:gridCol w="2352288"/>
-                <a:gridCol w="2352288"/>
-                <a:gridCol w="2352288"/>
+                <a:gridCol w="2352288">
+                  <a:extLst>
+                    <a:ext uri="{9D8B030D-6E8A-4147-A177-3AD203B41FA5}">
+                      <a16:colId xmlns:a16="http://schemas.microsoft.com/office/drawing/2014/main" val="20000"/>
+                    </a:ext>
+                  </a:extLst>
+                </a:gridCol>
+                <a:gridCol w="2352288">
+                  <a:extLst>
+                    <a:ext uri="{9D8B030D-6E8A-4147-A177-3AD203B41FA5}">
+                      <a16:colId xmlns:a16="http://schemas.microsoft.com/office/drawing/2014/main" val="20001"/>
+                    </a:ext>
+                  </a:extLst>
+                </a:gridCol>
+                <a:gridCol w="2352288">
+                  <a:extLst>
+                    <a:ext uri="{9D8B030D-6E8A-4147-A177-3AD203B41FA5}">
+                      <a16:colId xmlns:a16="http://schemas.microsoft.com/office/drawing/2014/main" val="20002"/>
+                    </a:ext>
+                  </a:extLst>
+                </a:gridCol>
+                <a:gridCol w="2352288">
+                  <a:extLst>
+                    <a:ext uri="{9D8B030D-6E8A-4147-A177-3AD203B41FA5}">
+                      <a16:colId xmlns:a16="http://schemas.microsoft.com/office/drawing/2014/main" val="20003"/>
+                    </a:ext>
+                  </a:extLst>
+                </a:gridCol>
               </a:tblGrid>
               <a:tr h="370840">
                 <a:tc>
@@ -9113,10 +9096,9 @@
                     <a:lstStyle/>
                     <a:p>
                       <a:r>
-                        <a:rPr lang="de-DE" dirty="0" smtClean="0"/>
+                        <a:rPr lang="de-DE" dirty="0"/>
                         <a:t>Name</a:t>
                       </a:r>
-                      <a:endParaRPr lang="de-DE" dirty="0"/>
                     </a:p>
                   </a:txBody>
                   <a:tcPr/>
@@ -9127,14 +9109,13 @@
                     <a:lstStyle/>
                     <a:p>
                       <a:r>
-                        <a:rPr lang="de-DE" dirty="0" err="1" smtClean="0"/>
+                        <a:rPr lang="de-DE" dirty="0" err="1"/>
                         <a:t>Machine</a:t>
                       </a:r>
                       <a:r>
-                        <a:rPr lang="de-DE" dirty="0" smtClean="0"/>
+                        <a:rPr lang="de-DE" dirty="0"/>
                         <a:t> Learning</a:t>
                       </a:r>
-                      <a:endParaRPr lang="de-DE" dirty="0"/>
                     </a:p>
                   </a:txBody>
                   <a:tcPr/>
@@ -9145,14 +9126,13 @@
                     <a:lstStyle/>
                     <a:p>
                       <a:r>
-                        <a:rPr lang="de-DE" dirty="0" err="1" smtClean="0"/>
+                        <a:rPr lang="de-DE" dirty="0" err="1"/>
                         <a:t>Intent</a:t>
                       </a:r>
                       <a:r>
-                        <a:rPr lang="de-DE" dirty="0" smtClean="0"/>
+                        <a:rPr lang="de-DE" dirty="0"/>
                         <a:t>-Behandlung</a:t>
                       </a:r>
-                      <a:endParaRPr lang="de-DE" dirty="0"/>
                     </a:p>
                   </a:txBody>
                   <a:tcPr/>
@@ -9163,14 +9143,18 @@
                     <a:lstStyle/>
                     <a:p>
                       <a:r>
-                        <a:rPr lang="de-DE" dirty="0" smtClean="0"/>
+                        <a:rPr lang="de-DE" dirty="0"/>
                         <a:t>Sprachen</a:t>
                       </a:r>
-                      <a:endParaRPr lang="de-DE" dirty="0"/>
                     </a:p>
                   </a:txBody>
                   <a:tcPr/>
                 </a:tc>
+                <a:extLst>
+                  <a:ext uri="{0D108BD9-81ED-4DB2-BD59-A6C34878D82A}">
+                    <a16:rowId xmlns:a16="http://schemas.microsoft.com/office/drawing/2014/main" val="10000"/>
+                  </a:ext>
+                </a:extLst>
               </a:tr>
               <a:tr h="370840">
                 <a:tc>
@@ -9179,11 +9163,11 @@
                     <a:lstStyle/>
                     <a:p>
                       <a:r>
-                        <a:rPr lang="de-DE" dirty="0" smtClean="0"/>
+                        <a:rPr lang="de-DE" dirty="0"/>
                         <a:t>rasa</a:t>
                       </a:r>
                       <a:r>
-                        <a:rPr lang="de-DE" baseline="0" dirty="0" smtClean="0"/>
+                        <a:rPr lang="de-DE" baseline="0" dirty="0"/>
                         <a:t> NLU</a:t>
                       </a:r>
                       <a:endParaRPr lang="de-DE" dirty="0"/>
@@ -9197,10 +9181,9 @@
                     <a:lstStyle/>
                     <a:p>
                       <a:r>
-                        <a:rPr lang="de-DE" dirty="0" smtClean="0"/>
+                        <a:rPr lang="de-DE" dirty="0"/>
                         <a:t>Ja</a:t>
                       </a:r>
-                      <a:endParaRPr lang="de-DE" dirty="0"/>
                     </a:p>
                   </a:txBody>
                   <a:tcPr/>
@@ -9211,10 +9194,9 @@
                     <a:lstStyle/>
                     <a:p>
                       <a:r>
-                        <a:rPr lang="de-DE" dirty="0" smtClean="0"/>
+                        <a:rPr lang="de-DE" dirty="0"/>
                         <a:t>Ja</a:t>
                       </a:r>
-                      <a:endParaRPr lang="de-DE" dirty="0"/>
                     </a:p>
                   </a:txBody>
                   <a:tcPr/>
@@ -9225,14 +9207,18 @@
                     <a:lstStyle/>
                     <a:p>
                       <a:r>
-                        <a:rPr lang="de-DE" dirty="0" smtClean="0"/>
+                        <a:rPr lang="de-DE" dirty="0"/>
                         <a:t>Mehrere</a:t>
                       </a:r>
-                      <a:endParaRPr lang="de-DE" dirty="0"/>
                     </a:p>
                   </a:txBody>
                   <a:tcPr/>
                 </a:tc>
+                <a:extLst>
+                  <a:ext uri="{0D108BD9-81ED-4DB2-BD59-A6C34878D82A}">
+                    <a16:rowId xmlns:a16="http://schemas.microsoft.com/office/drawing/2014/main" val="10001"/>
+                  </a:ext>
+                </a:extLst>
               </a:tr>
               <a:tr h="370840">
                 <a:tc>
@@ -9241,7 +9227,7 @@
                     <a:lstStyle/>
                     <a:p>
                       <a:r>
-                        <a:rPr lang="de-DE" dirty="0" err="1" smtClean="0"/>
+                        <a:rPr lang="de-DE" dirty="0" err="1"/>
                         <a:t>ChatterBot</a:t>
                       </a:r>
                       <a:endParaRPr lang="de-DE" dirty="0"/>
@@ -9255,10 +9241,9 @@
                     <a:lstStyle/>
                     <a:p>
                       <a:r>
-                        <a:rPr lang="de-DE" dirty="0" smtClean="0"/>
+                        <a:rPr lang="de-DE" dirty="0"/>
                         <a:t>Ja</a:t>
                       </a:r>
-                      <a:endParaRPr lang="de-DE" dirty="0"/>
                     </a:p>
                   </a:txBody>
                   <a:tcPr/>
@@ -9269,10 +9254,9 @@
                     <a:lstStyle/>
                     <a:p>
                       <a:r>
-                        <a:rPr lang="de-DE" dirty="0" smtClean="0"/>
+                        <a:rPr lang="de-DE" dirty="0"/>
                         <a:t>Nein</a:t>
                       </a:r>
-                      <a:endParaRPr lang="de-DE" dirty="0"/>
                     </a:p>
                   </a:txBody>
                   <a:tcPr/>
@@ -9283,14 +9267,18 @@
                     <a:lstStyle/>
                     <a:p>
                       <a:r>
-                        <a:rPr lang="de-DE" dirty="0" smtClean="0"/>
+                        <a:rPr lang="de-DE" dirty="0"/>
                         <a:t>Mehrere</a:t>
                       </a:r>
-                      <a:endParaRPr lang="de-DE" dirty="0"/>
                     </a:p>
                   </a:txBody>
                   <a:tcPr/>
                 </a:tc>
+                <a:extLst>
+                  <a:ext uri="{0D108BD9-81ED-4DB2-BD59-A6C34878D82A}">
+                    <a16:rowId xmlns:a16="http://schemas.microsoft.com/office/drawing/2014/main" val="10002"/>
+                  </a:ext>
+                </a:extLst>
               </a:tr>
               <a:tr h="370840">
                 <a:tc>
@@ -9299,7 +9287,7 @@
                     <a:lstStyle/>
                     <a:p>
                       <a:r>
-                        <a:rPr lang="de-DE" dirty="0" err="1" smtClean="0"/>
+                        <a:rPr lang="de-DE" dirty="0" err="1"/>
                         <a:t>ChatbotAI</a:t>
                       </a:r>
                       <a:endParaRPr lang="de-DE" dirty="0"/>
@@ -9317,10 +9305,9 @@
                     <a:lstStyle/>
                     <a:p>
                       <a:r>
-                        <a:rPr lang="de-DE" dirty="0" smtClean="0"/>
+                        <a:rPr lang="de-DE" dirty="0"/>
                         <a:t>Nein</a:t>
                       </a:r>
-                      <a:endParaRPr lang="de-DE" dirty="0"/>
                     </a:p>
                   </a:txBody>
                   <a:tcPr/>
@@ -9331,10 +9318,9 @@
                     <a:lstStyle/>
                     <a:p>
                       <a:r>
-                        <a:rPr lang="de-DE" dirty="0" smtClean="0"/>
+                        <a:rPr lang="de-DE" dirty="0"/>
                         <a:t>Ja</a:t>
                       </a:r>
-                      <a:endParaRPr lang="de-DE" dirty="0"/>
                     </a:p>
                   </a:txBody>
                   <a:tcPr/>
@@ -9345,14 +9331,18 @@
                     <a:lstStyle/>
                     <a:p>
                       <a:r>
-                        <a:rPr lang="de-DE" dirty="0" smtClean="0"/>
+                        <a:rPr lang="de-DE" dirty="0"/>
                         <a:t>Englisch, Deutsch</a:t>
                       </a:r>
-                      <a:endParaRPr lang="de-DE" dirty="0"/>
                     </a:p>
                   </a:txBody>
                   <a:tcPr/>
                 </a:tc>
+                <a:extLst>
+                  <a:ext uri="{0D108BD9-81ED-4DB2-BD59-A6C34878D82A}">
+                    <a16:rowId xmlns:a16="http://schemas.microsoft.com/office/drawing/2014/main" val="10003"/>
+                  </a:ext>
+                </a:extLst>
               </a:tr>
               <a:tr h="370840">
                 <a:tc>
@@ -9361,14 +9351,13 @@
                     <a:lstStyle/>
                     <a:p>
                       <a:r>
-                        <a:rPr lang="de-DE" dirty="0" err="1" smtClean="0"/>
+                        <a:rPr lang="de-DE" dirty="0" err="1"/>
                         <a:t>Snips</a:t>
                       </a:r>
                       <a:r>
-                        <a:rPr lang="de-DE" dirty="0" smtClean="0"/>
+                        <a:rPr lang="de-DE" dirty="0"/>
                         <a:t>-NLU</a:t>
                       </a:r>
-                      <a:endParaRPr lang="de-DE" dirty="0"/>
                     </a:p>
                   </a:txBody>
                   <a:tcPr>
@@ -9383,10 +9372,9 @@
                     <a:lstStyle/>
                     <a:p>
                       <a:r>
-                        <a:rPr lang="de-DE" dirty="0" smtClean="0"/>
+                        <a:rPr lang="de-DE" dirty="0"/>
                         <a:t>Ja</a:t>
                       </a:r>
-                      <a:endParaRPr lang="de-DE" dirty="0"/>
                     </a:p>
                   </a:txBody>
                   <a:tcPr/>
@@ -9397,10 +9385,9 @@
                     <a:lstStyle/>
                     <a:p>
                       <a:r>
-                        <a:rPr lang="de-DE" dirty="0" smtClean="0"/>
+                        <a:rPr lang="de-DE" dirty="0"/>
                         <a:t>Ja</a:t>
                       </a:r>
-                      <a:endParaRPr lang="de-DE" dirty="0"/>
                     </a:p>
                   </a:txBody>
                   <a:tcPr/>
@@ -9411,14 +9398,18 @@
                     <a:lstStyle/>
                     <a:p>
                       <a:r>
-                        <a:rPr lang="de-DE" dirty="0" smtClean="0"/>
+                        <a:rPr lang="de-DE" dirty="0"/>
                         <a:t>Mehrere</a:t>
                       </a:r>
-                      <a:endParaRPr lang="de-DE" dirty="0"/>
                     </a:p>
                   </a:txBody>
                   <a:tcPr/>
                 </a:tc>
+                <a:extLst>
+                  <a:ext uri="{0D108BD9-81ED-4DB2-BD59-A6C34878D82A}">
+                    <a16:rowId xmlns:a16="http://schemas.microsoft.com/office/drawing/2014/main" val="10004"/>
+                  </a:ext>
+                </a:extLst>
               </a:tr>
               <a:tr h="370840">
                 <a:tc>
@@ -9427,10 +9418,9 @@
                     <a:lstStyle/>
                     <a:p>
                       <a:r>
-                        <a:rPr lang="de-DE" dirty="0" smtClean="0"/>
+                        <a:rPr lang="de-DE" dirty="0"/>
                         <a:t>Transformers</a:t>
                       </a:r>
-                      <a:endParaRPr lang="de-DE" dirty="0"/>
                     </a:p>
                   </a:txBody>
                   <a:tcPr/>
@@ -9441,10 +9431,9 @@
                     <a:lstStyle/>
                     <a:p>
                       <a:r>
-                        <a:rPr lang="de-DE" dirty="0" smtClean="0"/>
+                        <a:rPr lang="de-DE" dirty="0"/>
                         <a:t>Ja</a:t>
                       </a:r>
-                      <a:endParaRPr lang="de-DE" dirty="0"/>
                     </a:p>
                   </a:txBody>
                   <a:tcPr/>
@@ -9455,10 +9444,9 @@
                     <a:lstStyle/>
                     <a:p>
                       <a:r>
-                        <a:rPr lang="de-DE" dirty="0" smtClean="0"/>
+                        <a:rPr lang="de-DE" dirty="0"/>
                         <a:t>Nein</a:t>
                       </a:r>
-                      <a:endParaRPr lang="de-DE" dirty="0"/>
                     </a:p>
                   </a:txBody>
                   <a:tcPr/>
@@ -9469,14 +9457,18 @@
                     <a:lstStyle/>
                     <a:p>
                       <a:r>
-                        <a:rPr lang="de-DE" dirty="0" smtClean="0"/>
+                        <a:rPr lang="de-DE" dirty="0"/>
                         <a:t>Mehrere</a:t>
                       </a:r>
-                      <a:endParaRPr lang="de-DE" dirty="0"/>
                     </a:p>
                   </a:txBody>
                   <a:tcPr/>
                 </a:tc>
+                <a:extLst>
+                  <a:ext uri="{0D108BD9-81ED-4DB2-BD59-A6C34878D82A}">
+                    <a16:rowId xmlns:a16="http://schemas.microsoft.com/office/drawing/2014/main" val="10005"/>
+                  </a:ext>
+                </a:extLst>
               </a:tr>
               <a:tr h="370840">
                 <a:tc>
@@ -9485,7 +9477,7 @@
                     <a:lstStyle/>
                     <a:p>
                       <a:r>
-                        <a:rPr lang="de-DE" dirty="0" err="1" smtClean="0"/>
+                        <a:rPr lang="de-DE" dirty="0" err="1"/>
                         <a:t>DeepPavlov</a:t>
                       </a:r>
                       <a:endParaRPr lang="de-DE" dirty="0"/>
@@ -9499,10 +9491,9 @@
                     <a:lstStyle/>
                     <a:p>
                       <a:r>
-                        <a:rPr lang="de-DE" dirty="0" smtClean="0"/>
+                        <a:rPr lang="de-DE" dirty="0"/>
                         <a:t>Ja</a:t>
                       </a:r>
-                      <a:endParaRPr lang="de-DE" dirty="0"/>
                     </a:p>
                   </a:txBody>
                   <a:tcPr/>
@@ -9513,10 +9504,9 @@
                     <a:lstStyle/>
                     <a:p>
                       <a:r>
-                        <a:rPr lang="de-DE" dirty="0" smtClean="0"/>
+                        <a:rPr lang="de-DE" dirty="0"/>
                         <a:t>Ja</a:t>
                       </a:r>
-                      <a:endParaRPr lang="de-DE" dirty="0"/>
                     </a:p>
                   </a:txBody>
                   <a:tcPr/>
@@ -9527,14 +9517,18 @@
                     <a:lstStyle/>
                     <a:p>
                       <a:r>
-                        <a:rPr lang="de-DE" dirty="0" smtClean="0"/>
+                        <a:rPr lang="de-DE" dirty="0"/>
                         <a:t>Mehrere</a:t>
                       </a:r>
-                      <a:endParaRPr lang="de-DE" dirty="0"/>
                     </a:p>
                   </a:txBody>
                   <a:tcPr/>
                 </a:tc>
+                <a:extLst>
+                  <a:ext uri="{0D108BD9-81ED-4DB2-BD59-A6C34878D82A}">
+                    <a16:rowId xmlns:a16="http://schemas.microsoft.com/office/drawing/2014/main" val="10006"/>
+                  </a:ext>
+                </a:extLst>
               </a:tr>
             </a:tbl>
           </a:graphicData>
@@ -9543,7 +9537,7 @@
     </p:spTree>
     <p:extLst>
       <p:ext uri="{BB962C8B-B14F-4D97-AF65-F5344CB8AC3E}">
-        <p14:creationId xmlns="" xmlns:p14="http://schemas.microsoft.com/office/powerpoint/2010/main" val="3968712708"/>
+        <p14:creationId xmlns:p14="http://schemas.microsoft.com/office/powerpoint/2010/main" val="3968712708"/>
       </p:ext>
     </p:extLst>
   </p:cSld>
@@ -9586,21 +9580,20 @@
           <a:lstStyle/>
           <a:p>
             <a:r>
-              <a:rPr lang="de-DE" dirty="0" smtClean="0"/>
+              <a:rPr lang="de-DE" dirty="0"/>
               <a:t>Unser Ansatz zur Umsetzung einer</a:t>
             </a:r>
             <a:br>
-              <a:rPr lang="de-DE" dirty="0" smtClean="0"/>
+              <a:rPr lang="de-DE" dirty="0"/>
             </a:br>
             <a:r>
-              <a:rPr lang="de-DE" dirty="0" err="1" smtClean="0"/>
+              <a:rPr lang="de-DE" dirty="0" err="1"/>
               <a:t>Conversational</a:t>
             </a:r>
             <a:r>
-              <a:rPr lang="de-DE" dirty="0" smtClean="0"/>
-              <a:t> AI </a:t>
-            </a:r>
-            <a:endParaRPr lang="de-DE" dirty="0"/>
+              <a:rPr lang="de-DE" dirty="0"/>
+              <a:t> AI – Erst Strikt, dann flexibel </a:t>
+            </a:r>
           </a:p>
         </p:txBody>
       </p:sp>
@@ -9625,33 +9618,33 @@
           <a:lstStyle/>
           <a:p>
             <a:r>
-              <a:rPr lang="de-DE" b="1" dirty="0" smtClean="0"/>
-              <a:t>Erster Entwurf</a:t>
-            </a:r>
-            <a:r>
-              <a:rPr lang="de-DE" dirty="0" smtClean="0"/>
-              <a:t> (</a:t>
-            </a:r>
-            <a:r>
-              <a:rPr lang="de-DE" dirty="0" err="1" smtClean="0"/>
+              <a:rPr lang="de-DE" b="1" dirty="0"/>
+              <a:t>Primärer Prozess </a:t>
+            </a:r>
+            <a:r>
+              <a:rPr lang="de-DE" dirty="0"/>
+              <a:t>(</a:t>
+            </a:r>
+            <a:r>
+              <a:rPr lang="de-DE" dirty="0" err="1"/>
               <a:t>ChatbotAI</a:t>
             </a:r>
             <a:r>
-              <a:rPr lang="de-DE" dirty="0" smtClean="0"/>
+              <a:rPr lang="de-DE" dirty="0"/>
               <a:t>), um:</a:t>
             </a:r>
           </a:p>
           <a:p>
             <a:pPr lvl="1"/>
             <a:r>
-              <a:rPr lang="de-DE" dirty="0" smtClean="0"/>
-              <a:t>fest vorgegebene Sätze zu erkennen</a:t>
+              <a:rPr lang="de-DE" dirty="0"/>
+              <a:t>fest vorgegebene Eingaben zu erkennen</a:t>
             </a:r>
           </a:p>
           <a:p>
             <a:pPr lvl="1"/>
             <a:r>
-              <a:rPr lang="de-DE" dirty="0" smtClean="0"/>
+              <a:rPr lang="de-DE" dirty="0"/>
               <a:t>Intentionen zu verstehen und Aktionen aufzurufen</a:t>
             </a:r>
           </a:p>
@@ -9659,7 +9652,7 @@
             <a:pPr lvl="1">
               <a:buNone/>
             </a:pPr>
-            <a:endParaRPr lang="de-DE" dirty="0" smtClean="0"/>
+            <a:endParaRPr lang="de-DE" dirty="0"/>
           </a:p>
         </p:txBody>
       </p:sp>
@@ -9705,7 +9698,7 @@
               <a:tabLst/>
               <a:defRPr/>
             </a:pPr>
-            <a:endParaRPr kumimoji="0" lang="de-DE" sz="1400" b="0" i="0" u="none" strike="noStrike" kern="1200" cap="none" spc="0" normalizeH="0" baseline="0" noProof="0" dirty="0" smtClean="0">
+            <a:endParaRPr kumimoji="0" lang="de-DE" sz="1400" b="1" i="0" u="none" strike="noStrike" kern="1200" cap="none" spc="0" normalizeH="0" baseline="0" noProof="0" dirty="0">
               <a:ln>
                 <a:noFill/>
               </a:ln>
@@ -9744,7 +9737,7 @@
               <a:defRPr/>
             </a:pPr>
             <a:r>
-              <a:rPr kumimoji="0" lang="de-DE" sz="1700" b="1" i="0" u="none" strike="noStrike" kern="1200" cap="none" spc="0" normalizeH="0" baseline="0" noProof="0" dirty="0" smtClean="0">
+              <a:rPr kumimoji="0" lang="de-DE" sz="1700" b="1" i="0" u="none" strike="noStrike" kern="1200" cap="none" spc="0" normalizeH="0" baseline="0" noProof="0" dirty="0">
                 <a:ln>
                   <a:noFill/>
                 </a:ln>
@@ -9761,10 +9754,10 @@
                 <a:ea typeface="+mn-ea"/>
                 <a:cs typeface="+mn-cs"/>
               </a:rPr>
-              <a:t>Zweiter Entwurf </a:t>
-            </a:r>
-            <a:r>
-              <a:rPr kumimoji="0" lang="de-DE" sz="1700" b="0" i="0" u="none" strike="noStrike" kern="1200" cap="none" spc="0" normalizeH="0" baseline="0" noProof="0" dirty="0" smtClean="0">
+              <a:t>Sekundärer Prozess </a:t>
+            </a:r>
+            <a:r>
+              <a:rPr kumimoji="0" lang="de-DE" sz="1700" b="0" i="0" u="none" strike="noStrike" kern="1200" cap="none" spc="0" normalizeH="0" baseline="0" noProof="0" dirty="0">
                 <a:ln>
                   <a:noFill/>
                 </a:ln>
@@ -9784,7 +9777,7 @@
               <a:t>(</a:t>
             </a:r>
             <a:r>
-              <a:rPr kumimoji="0" lang="de-DE" sz="1700" b="0" i="0" u="none" strike="noStrike" kern="1200" cap="none" spc="0" normalizeH="0" baseline="0" noProof="0" dirty="0" err="1" smtClean="0">
+              <a:rPr kumimoji="0" lang="de-DE" sz="1700" b="0" i="0" u="none" strike="noStrike" kern="1200" cap="none" spc="0" normalizeH="0" baseline="0" noProof="0" dirty="0" err="1">
                 <a:ln>
                   <a:noFill/>
                 </a:ln>
@@ -9804,7 +9797,7 @@
               <a:t>Snips</a:t>
             </a:r>
             <a:r>
-              <a:rPr kumimoji="0" lang="de-DE" sz="1700" b="0" i="0" u="none" strike="noStrike" kern="1200" cap="none" spc="0" normalizeH="0" baseline="0" noProof="0" dirty="0" smtClean="0">
+              <a:rPr kumimoji="0" lang="de-DE" sz="1700" b="0" i="0" u="none" strike="noStrike" kern="1200" cap="none" spc="0" normalizeH="0" baseline="0" noProof="0" dirty="0">
                 <a:ln>
                   <a:noFill/>
                 </a:ln>
@@ -9845,7 +9838,7 @@
               <a:defRPr/>
             </a:pPr>
             <a:r>
-              <a:rPr kumimoji="0" lang="de-DE" sz="1400" b="0" i="0" u="none" strike="noStrike" kern="1200" cap="none" spc="0" normalizeH="0" baseline="0" noProof="0" dirty="0" smtClean="0">
+              <a:rPr kumimoji="0" lang="de-DE" sz="1400" b="0" i="0" u="none" strike="noStrike" kern="1200" cap="none" spc="0" normalizeH="0" baseline="0" noProof="0" dirty="0">
                 <a:ln>
                   <a:noFill/>
                 </a:ln>
@@ -9865,7 +9858,7 @@
               <a:t>Unbekannte</a:t>
             </a:r>
             <a:r>
-              <a:rPr kumimoji="0" lang="de-DE" sz="1400" b="0" i="0" u="none" strike="noStrike" kern="1200" cap="none" spc="0" normalizeH="0" noProof="0" dirty="0" smtClean="0">
+              <a:rPr kumimoji="0" lang="de-DE" sz="1400" b="0" i="0" u="none" strike="noStrike" kern="1200" cap="none" spc="0" normalizeH="0" noProof="0" dirty="0">
                 <a:ln>
                   <a:noFill/>
                 </a:ln>
@@ -9885,7 +9878,7 @@
               <a:t> </a:t>
             </a:r>
             <a:r>
-              <a:rPr kumimoji="0" lang="de-DE" sz="1400" b="0" i="0" u="none" strike="noStrike" kern="1200" cap="none" spc="0" normalizeH="0" noProof="0" dirty="0" err="1" smtClean="0">
+              <a:rPr kumimoji="0" lang="de-DE" sz="1400" b="0" i="0" u="none" strike="noStrike" kern="1200" cap="none" spc="0" normalizeH="0" noProof="0" dirty="0" err="1">
                 <a:ln>
                   <a:noFill/>
                 </a:ln>
@@ -9905,7 +9898,7 @@
               <a:t>Sätz</a:t>
             </a:r>
             <a:r>
-              <a:rPr lang="de-DE" sz="1400" smtClean="0">
+              <a:rPr lang="de-DE" sz="1400" dirty="0">
                 <a:solidFill>
                   <a:schemeClr val="tx1">
                     <a:lumMod val="75000"/>
@@ -9913,9 +9906,9 @@
                   </a:schemeClr>
                 </a:solidFill>
               </a:rPr>
-              <a:t>e verstehen</a:t>
-            </a:r>
-            <a:endParaRPr kumimoji="0" lang="de-DE" sz="1400" b="0" i="0" u="none" strike="noStrike" kern="1200" cap="none" spc="0" normalizeH="0" baseline="0" noProof="0" dirty="0" smtClean="0">
+              <a:t>e über ein vortrainiertes Modell zu erkennen</a:t>
+            </a:r>
+            <a:endParaRPr kumimoji="0" lang="de-DE" sz="1400" b="0" i="0" u="none" strike="noStrike" kern="1200" cap="none" spc="0" normalizeH="0" baseline="0" noProof="0" dirty="0">
               <a:ln>
                 <a:noFill/>
               </a:ln>
@@ -9954,7 +9947,7 @@
               <a:defRPr/>
             </a:pPr>
             <a:r>
-              <a:rPr kumimoji="0" lang="de-DE" sz="1400" b="0" i="0" u="none" strike="noStrike" kern="1200" cap="none" spc="0" normalizeH="0" baseline="0" noProof="0" dirty="0" smtClean="0">
+              <a:rPr kumimoji="0" lang="de-DE" sz="1400" b="0" i="0" u="none" strike="noStrike" kern="1200" cap="none" spc="0" normalizeH="0" baseline="0" noProof="0" dirty="0">
                 <a:ln>
                   <a:noFill/>
                 </a:ln>
@@ -9974,7 +9967,7 @@
               <a:t>Flexibel Intentionen zu verstehen, Schlüsselwörter</a:t>
             </a:r>
             <a:br>
-              <a:rPr kumimoji="0" lang="de-DE" sz="1400" b="0" i="0" u="none" strike="noStrike" kern="1200" cap="none" spc="0" normalizeH="0" baseline="0" noProof="0" dirty="0" smtClean="0">
+              <a:rPr kumimoji="0" lang="de-DE" sz="1400" b="0" i="0" u="none" strike="noStrike" kern="1200" cap="none" spc="0" normalizeH="0" baseline="0" noProof="0" dirty="0">
                 <a:ln>
                   <a:noFill/>
                 </a:ln>
@@ -9993,7 +9986,7 @@
               </a:rPr>
             </a:br>
             <a:r>
-              <a:rPr kumimoji="0" lang="de-DE" sz="1400" b="0" i="0" u="none" strike="noStrike" kern="1200" cap="none" spc="0" normalizeH="0" baseline="0" noProof="0" dirty="0" smtClean="0">
+              <a:rPr kumimoji="0" lang="de-DE" sz="1400" b="0" i="0" u="none" strike="noStrike" kern="1200" cap="none" spc="0" normalizeH="0" baseline="0" noProof="0" dirty="0">
                 <a:ln>
                   <a:noFill/>
                 </a:ln>
@@ -10012,23 +10005,6 @@
               </a:rPr>
               <a:t>zu extrahieren und Aktionen aufzurufen</a:t>
             </a:r>
-            <a:endParaRPr kumimoji="0" lang="de-DE" sz="1400" b="0" i="0" u="none" strike="noStrike" kern="1200" cap="none" spc="0" normalizeH="0" baseline="0" noProof="0" dirty="0">
-              <a:ln>
-                <a:noFill/>
-              </a:ln>
-              <a:solidFill>
-                <a:schemeClr val="tx1">
-                  <a:lumMod val="75000"/>
-                  <a:lumOff val="25000"/>
-                </a:schemeClr>
-              </a:solidFill>
-              <a:effectLst/>
-              <a:uLnTx/>
-              <a:uFillTx/>
-              <a:latin typeface="+mn-lt"/>
-              <a:ea typeface="+mn-ea"/>
-              <a:cs typeface="+mn-cs"/>
-            </a:endParaRPr>
           </a:p>
         </p:txBody>
       </p:sp>
@@ -10096,6 +10072,82 @@
           </a:ln>
         </p:spPr>
       </p:pic>
+      <p:cxnSp>
+        <p:nvCxnSpPr>
+          <p:cNvPr id="5" name="Verbinder: gewinkelt 4">
+            <a:extLst>
+              <a:ext uri="{FF2B5EF4-FFF2-40B4-BE49-F238E27FC236}">
+                <a16:creationId xmlns:a16="http://schemas.microsoft.com/office/drawing/2014/main" id="{73BF881F-E07F-4AD8-92DB-A819161E6422}"/>
+              </a:ext>
+            </a:extLst>
+          </p:cNvPr>
+          <p:cNvCxnSpPr>
+            <a:cxnSpLocks/>
+          </p:cNvCxnSpPr>
+          <p:nvPr/>
+        </p:nvCxnSpPr>
+        <p:spPr>
+          <a:xfrm rot="16200000" flipH="1">
+            <a:off x="4364690" y="3008495"/>
+            <a:ext cx="907596" cy="3221307"/>
+          </a:xfrm>
+          <a:prstGeom prst="bentConnector2">
+            <a:avLst/>
+          </a:prstGeom>
+          <a:ln>
+            <a:tailEnd type="triangle"/>
+          </a:ln>
+        </p:spPr>
+        <p:style>
+          <a:lnRef idx="2">
+            <a:schemeClr val="accent1"/>
+          </a:lnRef>
+          <a:fillRef idx="0">
+            <a:schemeClr val="accent1"/>
+          </a:fillRef>
+          <a:effectRef idx="1">
+            <a:schemeClr val="accent1"/>
+          </a:effectRef>
+          <a:fontRef idx="minor">
+            <a:schemeClr val="tx1"/>
+          </a:fontRef>
+        </p:style>
+      </p:cxnSp>
+      <p:sp>
+        <p:nvSpPr>
+          <p:cNvPr id="6" name="Textfeld 5">
+            <a:extLst>
+              <a:ext uri="{FF2B5EF4-FFF2-40B4-BE49-F238E27FC236}">
+                <a16:creationId xmlns:a16="http://schemas.microsoft.com/office/drawing/2014/main" id="{B91A403B-1C73-44DA-9B98-1351F1023FBB}"/>
+              </a:ext>
+            </a:extLst>
+          </p:cNvPr>
+          <p:cNvSpPr txBox="1"/>
+          <p:nvPr/>
+        </p:nvSpPr>
+        <p:spPr>
+          <a:xfrm>
+            <a:off x="3252759" y="5118201"/>
+            <a:ext cx="2955450" cy="646331"/>
+          </a:xfrm>
+          <a:prstGeom prst="rect">
+            <a:avLst/>
+          </a:prstGeom>
+          <a:noFill/>
+        </p:spPr>
+        <p:txBody>
+          <a:bodyPr wrap="square" rtlCol="0">
+            <a:spAutoFit/>
+          </a:bodyPr>
+          <a:lstStyle/>
+          <a:p>
+            <a:r>
+              <a:rPr lang="de-DE" dirty="0"/>
+              <a:t>Wurde der Befehl nicht erkannt…</a:t>
+            </a:r>
+          </a:p>
+        </p:txBody>
+      </p:sp>
     </p:spTree>
   </p:cSld>
   <p:clrMapOvr>
@@ -10105,6 +10157,280 @@
 </file>
 
 <file path=ppt/slides/slide5.xml><?xml version="1.0" encoding="utf-8"?>
+<p:sld xmlns:a="http://schemas.openxmlformats.org/drawingml/2006/main" xmlns:r="http://schemas.openxmlformats.org/officeDocument/2006/relationships" xmlns:p="http://schemas.openxmlformats.org/presentationml/2006/main">
+  <p:cSld>
+    <p:spTree>
+      <p:nvGrpSpPr>
+        <p:cNvPr id="1" name=""/>
+        <p:cNvGrpSpPr/>
+        <p:nvPr/>
+      </p:nvGrpSpPr>
+      <p:grpSpPr>
+        <a:xfrm>
+          <a:off x="0" y="0"/>
+          <a:ext cx="0" cy="0"/>
+          <a:chOff x="0" y="0"/>
+          <a:chExt cx="0" cy="0"/>
+        </a:xfrm>
+      </p:grpSpPr>
+      <p:sp>
+        <p:nvSpPr>
+          <p:cNvPr id="2" name="Titel 1">
+            <a:extLst>
+              <a:ext uri="{FF2B5EF4-FFF2-40B4-BE49-F238E27FC236}">
+                <a16:creationId xmlns:a16="http://schemas.microsoft.com/office/drawing/2014/main" id="{F0F2F549-221A-423E-ABC2-8CEBFB12BFB0}"/>
+              </a:ext>
+            </a:extLst>
+          </p:cNvPr>
+          <p:cNvSpPr>
+            <a:spLocks noGrp="1"/>
+          </p:cNvSpPr>
+          <p:nvPr>
+            <p:ph type="title"/>
+          </p:nvPr>
+        </p:nvSpPr>
+        <p:spPr/>
+        <p:txBody>
+          <a:bodyPr/>
+          <a:lstStyle/>
+          <a:p>
+            <a:r>
+              <a:rPr lang="de-DE" dirty="0"/>
+              <a:t>Warum Zweigleisig Mit einem Primären und einem Nachgelagerten Prozess, Um uns Menschen zu verstehen?</a:t>
+            </a:r>
+          </a:p>
+        </p:txBody>
+      </p:sp>
+      <p:sp>
+        <p:nvSpPr>
+          <p:cNvPr id="3" name="Inhaltsplatzhalter 2">
+            <a:extLst>
+              <a:ext uri="{FF2B5EF4-FFF2-40B4-BE49-F238E27FC236}">
+                <a16:creationId xmlns:a16="http://schemas.microsoft.com/office/drawing/2014/main" id="{76604E34-F1DD-44EB-A124-8E9218FFD1C9}"/>
+              </a:ext>
+            </a:extLst>
+          </p:cNvPr>
+          <p:cNvSpPr>
+            <a:spLocks noGrp="1"/>
+          </p:cNvSpPr>
+          <p:nvPr>
+            <p:ph idx="1"/>
+          </p:nvPr>
+        </p:nvSpPr>
+        <p:spPr>
+          <a:xfrm>
+            <a:off x="581193" y="2340863"/>
+            <a:ext cx="6509832" cy="4177923"/>
+          </a:xfrm>
+        </p:spPr>
+        <p:txBody>
+          <a:bodyPr>
+            <a:normAutofit/>
+          </a:bodyPr>
+          <a:lstStyle/>
+          <a:p>
+            <a:r>
+              <a:rPr lang="de-DE" dirty="0"/>
+              <a:t>Ein Sprachassistent verarbeitet in der Regel sehr genaue Befehle</a:t>
+            </a:r>
+          </a:p>
+          <a:p>
+            <a:pPr lvl="1"/>
+            <a:r>
+              <a:rPr lang="de-DE" dirty="0"/>
+              <a:t>Geringe Vielfalt der Sätze</a:t>
+            </a:r>
+          </a:p>
+          <a:p>
+            <a:pPr lvl="1"/>
+            <a:r>
+              <a:rPr lang="de-DE" dirty="0"/>
+              <a:t>Einfache Identifikation der Variablen in einem Satz</a:t>
+            </a:r>
+          </a:p>
+          <a:p>
+            <a:r>
+              <a:rPr lang="de-DE" dirty="0"/>
+              <a:t>Wir entwickeln keinen Chatbot, bei dem der Satz den gesamten Input ausmacht</a:t>
+            </a:r>
+          </a:p>
+          <a:p>
+            <a:pPr lvl="1"/>
+            <a:r>
+              <a:rPr lang="de-DE" dirty="0">
+                <a:hlinkClick r:id="rId2"/>
+              </a:rPr>
+              <a:t>https://medium.com/huggingface/how-to-build-a-state-of-the-art-conversational-ai-with-transfer-learning-2d818ac26313</a:t>
+            </a:r>
+            <a:r>
+              <a:rPr lang="de-DE" dirty="0"/>
+              <a:t> von Thomas Wolf</a:t>
+            </a:r>
+          </a:p>
+          <a:p>
+            <a:r>
+              <a:rPr lang="de-DE" dirty="0"/>
+              <a:t>Doch durch maschinelles Lernen haben wir die Möglichkeit auf Unvorhergesehenes zu reagieren</a:t>
+            </a:r>
+          </a:p>
+          <a:p>
+            <a:pPr lvl="1"/>
+            <a:r>
+              <a:rPr lang="de-DE" b="1" dirty="0"/>
+              <a:t>Nachteil</a:t>
+            </a:r>
+            <a:r>
+              <a:rPr lang="de-DE" dirty="0"/>
+              <a:t>: Das genaue Parsen von Parametern erfährt eine „Unschärfe“</a:t>
+            </a:r>
+          </a:p>
+        </p:txBody>
+      </p:sp>
+      <p:sp>
+        <p:nvSpPr>
+          <p:cNvPr id="4" name="Datumsplatzhalter 3">
+            <a:extLst>
+              <a:ext uri="{FF2B5EF4-FFF2-40B4-BE49-F238E27FC236}">
+                <a16:creationId xmlns:a16="http://schemas.microsoft.com/office/drawing/2014/main" id="{C5A9CDF0-DB3B-4A17-ABBA-4C30DFEBF3B2}"/>
+              </a:ext>
+            </a:extLst>
+          </p:cNvPr>
+          <p:cNvSpPr>
+            <a:spLocks noGrp="1"/>
+          </p:cNvSpPr>
+          <p:nvPr>
+            <p:ph type="dt" sz="half" idx="10"/>
+          </p:nvPr>
+        </p:nvSpPr>
+        <p:spPr/>
+        <p:txBody>
+          <a:bodyPr/>
+          <a:lstStyle/>
+          <a:p>
+            <a:pPr rtl="0"/>
+            <a:fld id="{83627DD0-092D-4AD9-AAE0-0513E170352E}" type="datetime1">
+              <a:rPr lang="de-DE" smtClean="0"/>
+              <a:pPr rtl="0"/>
+              <a:t>02.11.2020</a:t>
+            </a:fld>
+            <a:endParaRPr lang="en-US" dirty="0"/>
+          </a:p>
+        </p:txBody>
+      </p:sp>
+      <p:sp>
+        <p:nvSpPr>
+          <p:cNvPr id="5" name="Rechteck 4">
+            <a:extLst>
+              <a:ext uri="{FF2B5EF4-FFF2-40B4-BE49-F238E27FC236}">
+                <a16:creationId xmlns:a16="http://schemas.microsoft.com/office/drawing/2014/main" id="{BDC51F91-95B9-49AB-9EF0-355E5FA1F0AF}"/>
+              </a:ext>
+            </a:extLst>
+          </p:cNvPr>
+          <p:cNvSpPr/>
+          <p:nvPr/>
+        </p:nvSpPr>
+        <p:spPr>
+          <a:xfrm>
+            <a:off x="7486281" y="2967375"/>
+            <a:ext cx="4176744" cy="3188469"/>
+          </a:xfrm>
+          <a:prstGeom prst="rect">
+            <a:avLst/>
+          </a:prstGeom>
+        </p:spPr>
+        <p:style>
+          <a:lnRef idx="2">
+            <a:schemeClr val="accent1">
+              <a:shade val="50000"/>
+            </a:schemeClr>
+          </a:lnRef>
+          <a:fillRef idx="1">
+            <a:schemeClr val="accent1"/>
+          </a:fillRef>
+          <a:effectRef idx="0">
+            <a:schemeClr val="accent1"/>
+          </a:effectRef>
+          <a:fontRef idx="minor">
+            <a:schemeClr val="lt1"/>
+          </a:fontRef>
+        </p:style>
+        <p:txBody>
+          <a:bodyPr rtlCol="0" anchor="ctr"/>
+          <a:lstStyle/>
+          <a:p>
+            <a:pPr algn="ctr"/>
+            <a:r>
+              <a:rPr lang="de-DE" b="1" dirty="0"/>
+              <a:t>Denkt an eure letzte Klausur/Prüfung: </a:t>
+            </a:r>
+            <a:r>
+              <a:rPr lang="de-DE" dirty="0"/>
+              <a:t>Wenn ihr die Frage kennt, spult ihr die Antwort einfach ab. Wenn die Frage euch neu ist, müsst ihr sie erst interpretieren und beantwortet sie ggf. nicht 100% richtig.</a:t>
+            </a:r>
+          </a:p>
+        </p:txBody>
+      </p:sp>
+      <p:pic>
+        <p:nvPicPr>
+          <p:cNvPr id="1026" name="Picture 2" descr="Light bulb icon">
+            <a:extLst>
+              <a:ext uri="{FF2B5EF4-FFF2-40B4-BE49-F238E27FC236}">
+                <a16:creationId xmlns:a16="http://schemas.microsoft.com/office/drawing/2014/main" id="{93B2608E-D209-4033-B624-8AC319627634}"/>
+              </a:ext>
+            </a:extLst>
+          </p:cNvPr>
+          <p:cNvPicPr>
+            <a:picLocks noChangeAspect="1" noChangeArrowheads="1"/>
+          </p:cNvPicPr>
+          <p:nvPr/>
+        </p:nvPicPr>
+        <p:blipFill>
+          <a:blip r:embed="rId3">
+            <a:extLst>
+              <a:ext uri="{28A0092B-C50C-407E-A947-70E740481C1C}">
+                <a14:useLocalDpi xmlns:a14="http://schemas.microsoft.com/office/drawing/2010/main" val="0"/>
+              </a:ext>
+            </a:extLst>
+          </a:blip>
+          <a:srcRect/>
+          <a:stretch>
+            <a:fillRect/>
+          </a:stretch>
+        </p:blipFill>
+        <p:spPr bwMode="auto">
+          <a:xfrm>
+            <a:off x="8787132" y="1890876"/>
+            <a:ext cx="1663618" cy="1663618"/>
+          </a:xfrm>
+          <a:prstGeom prst="rect">
+            <a:avLst/>
+          </a:prstGeom>
+          <a:noFill/>
+          <a:extLst>
+            <a:ext uri="{909E8E84-426E-40DD-AFC4-6F175D3DCCD1}">
+              <a14:hiddenFill xmlns:a14="http://schemas.microsoft.com/office/drawing/2010/main">
+                <a:solidFill>
+                  <a:srgbClr val="FFFFFF"/>
+                </a:solidFill>
+              </a14:hiddenFill>
+            </a:ext>
+          </a:extLst>
+        </p:spPr>
+      </p:pic>
+    </p:spTree>
+    <p:extLst>
+      <p:ext uri="{BB962C8B-B14F-4D97-AF65-F5344CB8AC3E}">
+        <p14:creationId xmlns:p14="http://schemas.microsoft.com/office/powerpoint/2010/main" val="2346164473"/>
+      </p:ext>
+    </p:extLst>
+  </p:cSld>
+  <p:clrMapOvr>
+    <a:masterClrMapping/>
+  </p:clrMapOvr>
+</p:sld>
+</file>
+
+<file path=ppt/slides/slide6.xml><?xml version="1.0" encoding="utf-8"?>
 <p:sld xmlns:a="http://schemas.openxmlformats.org/drawingml/2006/main" xmlns:r="http://schemas.openxmlformats.org/officeDocument/2006/relationships" xmlns:p="http://schemas.openxmlformats.org/presentationml/2006/main">
   <p:cSld>
     <p:spTree>
@@ -10137,10 +10463,9 @@
           <a:lstStyle/>
           <a:p>
             <a:r>
-              <a:rPr lang="de-DE" dirty="0" smtClean="0"/>
+              <a:rPr lang="de-DE" dirty="0"/>
               <a:t>Was wollen wir mit dem Experiment herausfinden?</a:t>
             </a:r>
-            <a:endParaRPr lang="de-DE" dirty="0"/>
           </a:p>
         </p:txBody>
       </p:sp>
@@ -10183,7 +10508,7 @@
             <a:fld id="{83627DD0-092D-4AD9-AAE0-0513E170352E}" type="datetime1">
               <a:rPr lang="de-DE" smtClean="0"/>
               <a:pPr rtl="0"/>
-              <a:t>31.10.2020</a:t>
+              <a:t>02.11.2020</a:t>
             </a:fld>
             <a:endParaRPr lang="en-US" dirty="0"/>
           </a:p>
@@ -10460,7 +10785,7 @@
   <a:extraClrSchemeLst/>
   <a:extLst>
     <a:ext uri="{05A4C25C-085E-4340-85A3-A5531E510DB2}">
-      <thm15:themeFamily xmlns="" xmlns:thm15="http://schemas.microsoft.com/office/thememl/2012/main" name="Office_41798788_TF33552983" id="{576DBA50-8B91-4A4D-83D9-7E9D2BF5E738}" vid="{40B35DA9-BDA0-45AF-A640-2DB6EA94DA72}"/>
+      <thm15:themeFamily xmlns:thm15="http://schemas.microsoft.com/office/thememl/2012/main" name="Office_41798788_TF33552983" id="{576DBA50-8B91-4A4D-83D9-7E9D2BF5E738}" vid="{40B35DA9-BDA0-45AF-A640-2DB6EA94DA72}"/>
     </a:ext>
   </a:extLst>
 </a:theme>
@@ -10721,7 +11046,7 @@
   <a:extraClrSchemeLst/>
   <a:extLst>
     <a:ext uri="{05A4C25C-085E-4340-85A3-A5531E510DB2}">
-      <thm15:themeFamily xmlns="" xmlns:thm15="http://schemas.microsoft.com/office/thememl/2012/main" name="Office Theme" id="{62F939B6-93AF-4DB8-9C6B-D6C7DFDC589F}" vid="{4A3C46E8-61CC-4603-A589-7422A47A8E4A}"/>
+      <thm15:themeFamily xmlns:thm15="http://schemas.microsoft.com/office/thememl/2012/main" name="Office Theme" id="{62F939B6-93AF-4DB8-9C6B-D6C7DFDC589F}" vid="{4A3C46E8-61CC-4603-A589-7422A47A8E4A}"/>
     </a:ext>
   </a:extLst>
 </a:theme>
@@ -10982,7 +11307,7 @@
   <a:extraClrSchemeLst/>
   <a:extLst>
     <a:ext uri="{05A4C25C-085E-4340-85A3-A5531E510DB2}">
-      <thm15:themeFamily xmlns="" xmlns:thm15="http://schemas.microsoft.com/office/thememl/2012/main" name="Office Theme" id="{62F939B6-93AF-4DB8-9C6B-D6C7DFDC589F}" vid="{4A3C46E8-61CC-4603-A589-7422A47A8E4A}"/>
+      <thm15:themeFamily xmlns:thm15="http://schemas.microsoft.com/office/thememl/2012/main" name="Office Theme" id="{62F939B6-93AF-4DB8-9C6B-D6C7DFDC589F}" vid="{4A3C46E8-61CC-4603-A589-7422A47A8E4A}"/>
     </a:ext>
   </a:extLst>
 </a:theme>

--- a/slides/07_chatbots.pptx
+++ b/slides/07_chatbots.pptx
@@ -5,18 +5,19 @@
     <p:sldMasterId id="2147483712" r:id="rId1"/>
   </p:sldMasterIdLst>
   <p:notesMasterIdLst>
-    <p:notesMasterId r:id="rId8"/>
+    <p:notesMasterId r:id="rId9"/>
   </p:notesMasterIdLst>
   <p:handoutMasterIdLst>
-    <p:handoutMasterId r:id="rId9"/>
+    <p:handoutMasterId r:id="rId10"/>
   </p:handoutMasterIdLst>
   <p:sldIdLst>
     <p:sldId id="257" r:id="rId2"/>
-    <p:sldId id="261" r:id="rId3"/>
-    <p:sldId id="263" r:id="rId4"/>
-    <p:sldId id="262" r:id="rId5"/>
-    <p:sldId id="265" r:id="rId6"/>
-    <p:sldId id="264" r:id="rId7"/>
+    <p:sldId id="266" r:id="rId3"/>
+    <p:sldId id="261" r:id="rId4"/>
+    <p:sldId id="263" r:id="rId5"/>
+    <p:sldId id="262" r:id="rId6"/>
+    <p:sldId id="265" r:id="rId7"/>
+    <p:sldId id="264" r:id="rId8"/>
   </p:sldIdLst>
   <p:sldSz cx="12192000" cy="6858000"/>
   <p:notesSz cx="6858000" cy="9144000"/>
@@ -3622,7 +3623,7 @@
             <a:fld id="{764ED9EE-8F2A-4E06-87A2-36C0DD0993FD}" type="datetime1">
               <a:rPr lang="de-DE" smtClean="0"/>
               <a:pPr rtl="0"/>
-              <a:t>02.11.2020</a:t>
+              <a:t>26.12.2020</a:t>
             </a:fld>
             <a:endParaRPr lang="en-US" dirty="0"/>
           </a:p>
@@ -3794,7 +3795,7 @@
             <a:fld id="{A5A5ADE8-1FB8-43FD-A675-2B613EE00B6F}" type="datetime1">
               <a:rPr lang="de-DE" smtClean="0"/>
               <a:pPr rtl="0"/>
-              <a:t>02.11.2020</a:t>
+              <a:t>26.12.2020</a:t>
             </a:fld>
             <a:endParaRPr lang="en-US"/>
           </a:p>
@@ -4310,7 +4311,7 @@
             <a:fld id="{81E9C95E-BEF0-4D2E-9127-B9099B238D2A}" type="datetime1">
               <a:rPr lang="de-DE" smtClean="0"/>
               <a:pPr rtl="0"/>
-              <a:t>02.11.2020</a:t>
+              <a:t>26.12.2020</a:t>
             </a:fld>
             <a:endParaRPr lang="en-US" dirty="0"/>
           </a:p>
@@ -4519,7 +4520,7 @@
             <a:fld id="{FE771757-BB18-44C5-813E-435E78C98126}" type="datetime1">
               <a:rPr lang="de-DE" smtClean="0"/>
               <a:pPr rtl="0"/>
-              <a:t>02.11.2020</a:t>
+              <a:t>26.12.2020</a:t>
             </a:fld>
             <a:endParaRPr lang="en-US" dirty="0"/>
           </a:p>
@@ -4887,7 +4888,7 @@
             <a:fld id="{B83FACD6-565C-4118-ACD0-32ACCA9AF940}" type="datetime1">
               <a:rPr lang="de-DE" smtClean="0"/>
               <a:pPr rtl="0"/>
-              <a:t>02.11.2020</a:t>
+              <a:t>26.12.2020</a:t>
             </a:fld>
             <a:endParaRPr lang="en-US" dirty="0"/>
           </a:p>
@@ -5091,7 +5092,7 @@
             <a:fld id="{83627DD0-092D-4AD9-AAE0-0513E170352E}" type="datetime1">
               <a:rPr lang="de-DE" smtClean="0"/>
               <a:pPr rtl="0"/>
-              <a:t>02.11.2020</a:t>
+              <a:t>26.12.2020</a:t>
             </a:fld>
             <a:endParaRPr lang="en-US" dirty="0"/>
           </a:p>
@@ -5409,7 +5410,7 @@
             <a:fld id="{F36CBEDB-B1DE-4F8C-AD4A-10AD3F77E1A9}" type="datetime1">
               <a:rPr lang="de-DE" smtClean="0"/>
               <a:pPr rtl="0"/>
-              <a:t>02.11.2020</a:t>
+              <a:t>26.12.2020</a:t>
             </a:fld>
             <a:endParaRPr lang="en-US" dirty="0"/>
           </a:p>
@@ -5668,7 +5669,7 @@
             <a:fld id="{F95AE019-BB99-4C3A-AA2C-A36C39CE4DCB}" type="datetime1">
               <a:rPr lang="de-DE" smtClean="0"/>
               <a:pPr rtl="0"/>
-              <a:t>02.11.2020</a:t>
+              <a:t>26.12.2020</a:t>
             </a:fld>
             <a:endParaRPr lang="en-US" dirty="0"/>
           </a:p>
@@ -6096,7 +6097,7 @@
             <a:fld id="{117FAFC6-AD0C-4B5B-B8B0-E729C6D4C810}" type="datetime1">
               <a:rPr lang="de-DE" smtClean="0"/>
               <a:pPr rtl="0"/>
-              <a:t>02.11.2020</a:t>
+              <a:t>26.12.2020</a:t>
             </a:fld>
             <a:endParaRPr lang="en-US" dirty="0"/>
           </a:p>
@@ -6225,7 +6226,7 @@
             <a:fld id="{607DEF3C-A2B0-4F78-836D-1A1B1DEE5467}" type="datetime1">
               <a:rPr lang="de-DE" smtClean="0"/>
               <a:pPr rtl="0"/>
-              <a:t>02.11.2020</a:t>
+              <a:t>26.12.2020</a:t>
             </a:fld>
             <a:endParaRPr lang="en-US" dirty="0"/>
           </a:p>
@@ -6325,7 +6326,7 @@
             <a:fld id="{D971D44B-9C44-467E-B481-41466CDBD2A7}" type="datetime1">
               <a:rPr lang="de-DE" smtClean="0"/>
               <a:pPr rtl="0"/>
-              <a:t>02.11.2020</a:t>
+              <a:t>26.12.2020</a:t>
             </a:fld>
             <a:endParaRPr lang="en-US" dirty="0"/>
           </a:p>
@@ -6708,7 +6709,7 @@
             <a:fld id="{0354EEBD-0E7F-42E6-BE86-4864547D749E}" type="datetime1">
               <a:rPr lang="de-DE" smtClean="0"/>
               <a:pPr rtl="0"/>
-              <a:t>02.11.2020</a:t>
+              <a:t>26.12.2020</a:t>
             </a:fld>
             <a:endParaRPr lang="en-US" dirty="0"/>
           </a:p>
@@ -7007,7 +7008,7 @@
             <a:fld id="{8C7274EF-79A2-4EAD-98EF-7E5BB5EA068D}" type="datetime1">
               <a:rPr lang="de-DE" smtClean="0"/>
               <a:pPr rtl="0"/>
-              <a:t>02.11.2020</a:t>
+              <a:t>26.12.2020</a:t>
             </a:fld>
             <a:endParaRPr lang="en-US" dirty="0"/>
           </a:p>
@@ -7227,7 +7228,7 @@
             <a:fld id="{EDD379EC-906B-4CE5-98C2-3A156331FD9E}" type="datetime1">
               <a:rPr lang="de-DE" smtClean="0"/>
               <a:pPr rtl="0"/>
-              <a:t>02.11.2020</a:t>
+              <a:t>26.12.2020</a:t>
             </a:fld>
             <a:endParaRPr lang="en-US" dirty="0"/>
           </a:p>
@@ -7960,9 +7961,10 @@
           <a:p>
             <a:pPr rtl="0"/>
             <a:r>
-              <a:rPr lang="de" dirty="0"/>
-              <a:t>Chatbots in Python</a:t>
-            </a:r>
+              <a:rPr lang="de"/>
+              <a:t>LEKTION 07 - Chatbots in Python, Dialoge und Intents</a:t>
+            </a:r>
+            <a:endParaRPr lang="de" dirty="0"/>
           </a:p>
         </p:txBody>
       </p:sp>
@@ -7997,8 +7999,13 @@
             <a:pPr rtl="0"/>
             <a:r>
               <a:rPr lang="de" dirty="0"/>
-              <a:t>Jonas Freiknecht, 2020, v1.0</a:t>
-            </a:r>
+              <a:t>Jonas Freiknecht</a:t>
+            </a:r>
+            <a:r>
+              <a:rPr lang="de"/>
+              <a:t>, 2021, v1.3</a:t>
+            </a:r>
+            <a:endParaRPr lang="de" dirty="0"/>
           </a:p>
           <a:p>
             <a:pPr rtl="0"/>
@@ -8241,6 +8248,162 @@
           <p:cNvPr id="2" name="Titel 1">
             <a:extLst>
               <a:ext uri="{FF2B5EF4-FFF2-40B4-BE49-F238E27FC236}">
+                <a16:creationId xmlns:a16="http://schemas.microsoft.com/office/drawing/2014/main" id="{05158541-D9FF-4EB6-A890-BA81465F2B89}"/>
+              </a:ext>
+            </a:extLst>
+          </p:cNvPr>
+          <p:cNvSpPr>
+            <a:spLocks noGrp="1"/>
+          </p:cNvSpPr>
+          <p:nvPr>
+            <p:ph type="title"/>
+          </p:nvPr>
+        </p:nvSpPr>
+        <p:spPr/>
+        <p:txBody>
+          <a:bodyPr/>
+          <a:lstStyle/>
+          <a:p>
+            <a:r>
+              <a:rPr lang="de-DE" dirty="0"/>
+              <a:t>Was wir lernen werden</a:t>
+            </a:r>
+          </a:p>
+        </p:txBody>
+      </p:sp>
+      <p:sp>
+        <p:nvSpPr>
+          <p:cNvPr id="3" name="Inhaltsplatzhalter 2">
+            <a:extLst>
+              <a:ext uri="{FF2B5EF4-FFF2-40B4-BE49-F238E27FC236}">
+                <a16:creationId xmlns:a16="http://schemas.microsoft.com/office/drawing/2014/main" id="{85B5E76F-DFE1-421B-AB3F-C6FD6909935F}"/>
+              </a:ext>
+            </a:extLst>
+          </p:cNvPr>
+          <p:cNvSpPr>
+            <a:spLocks noGrp="1"/>
+          </p:cNvSpPr>
+          <p:nvPr>
+            <p:ph idx="1"/>
+          </p:nvPr>
+        </p:nvSpPr>
+        <p:spPr/>
+        <p:txBody>
+          <a:bodyPr/>
+          <a:lstStyle/>
+          <a:p>
+            <a:r>
+              <a:rPr lang="de-DE" dirty="0"/>
+              <a:t>Anlegen eines Templates zur Initialisierung eines Chats</a:t>
+            </a:r>
+          </a:p>
+          <a:p>
+            <a:r>
+              <a:rPr lang="de-DE" dirty="0"/>
+              <a:t>Verwenden eines Default-Templates für unvorhergesehene Chats</a:t>
+            </a:r>
+          </a:p>
+          <a:p>
+            <a:r>
+              <a:rPr lang="de-DE" dirty="0"/>
+              <a:t>Implementieren eines </a:t>
+            </a:r>
+            <a:r>
+              <a:rPr lang="de-DE" dirty="0" err="1"/>
+              <a:t>Intents</a:t>
+            </a:r>
+            <a:r>
+              <a:rPr lang="de-DE" dirty="0"/>
+              <a:t> zur Ansage der Uhrzeit</a:t>
+            </a:r>
+          </a:p>
+          <a:p>
+            <a:r>
+              <a:rPr lang="de-DE" dirty="0"/>
+              <a:t>Implementieren einer </a:t>
+            </a:r>
+            <a:r>
+              <a:rPr lang="de-DE" dirty="0" err="1"/>
+              <a:t>Stop</a:t>
+            </a:r>
+            <a:r>
+              <a:rPr lang="de-DE" dirty="0"/>
+              <a:t>-Funktion für TTS und deren Verwendung als </a:t>
+            </a:r>
+            <a:r>
+              <a:rPr lang="de-DE" dirty="0" err="1"/>
+              <a:t>Intent</a:t>
+            </a:r>
+            <a:endParaRPr lang="de-DE" dirty="0"/>
+          </a:p>
+        </p:txBody>
+      </p:sp>
+      <p:sp>
+        <p:nvSpPr>
+          <p:cNvPr id="4" name="Datumsplatzhalter 3">
+            <a:extLst>
+              <a:ext uri="{FF2B5EF4-FFF2-40B4-BE49-F238E27FC236}">
+                <a16:creationId xmlns:a16="http://schemas.microsoft.com/office/drawing/2014/main" id="{55EF26F8-8DAB-4E6B-855D-E623FF6B22AD}"/>
+              </a:ext>
+            </a:extLst>
+          </p:cNvPr>
+          <p:cNvSpPr>
+            <a:spLocks noGrp="1"/>
+          </p:cNvSpPr>
+          <p:nvPr>
+            <p:ph type="dt" sz="half" idx="10"/>
+          </p:nvPr>
+        </p:nvSpPr>
+        <p:spPr/>
+        <p:txBody>
+          <a:bodyPr/>
+          <a:lstStyle/>
+          <a:p>
+            <a:pPr rtl="0"/>
+            <a:fld id="{83627DD0-092D-4AD9-AAE0-0513E170352E}" type="datetime1">
+              <a:rPr lang="de-DE" smtClean="0"/>
+              <a:pPr rtl="0"/>
+              <a:t>26.12.2020</a:t>
+            </a:fld>
+            <a:endParaRPr lang="en-US" dirty="0"/>
+          </a:p>
+        </p:txBody>
+      </p:sp>
+    </p:spTree>
+    <p:extLst>
+      <p:ext uri="{BB962C8B-B14F-4D97-AF65-F5344CB8AC3E}">
+        <p14:creationId xmlns:p14="http://schemas.microsoft.com/office/powerpoint/2010/main" val="4038296673"/>
+      </p:ext>
+    </p:extLst>
+  </p:cSld>
+  <p:clrMapOvr>
+    <a:masterClrMapping/>
+  </p:clrMapOvr>
+</p:sld>
+</file>
+
+<file path=ppt/slides/slide3.xml><?xml version="1.0" encoding="utf-8"?>
+<p:sld xmlns:a="http://schemas.openxmlformats.org/drawingml/2006/main" xmlns:r="http://schemas.openxmlformats.org/officeDocument/2006/relationships" xmlns:p="http://schemas.openxmlformats.org/presentationml/2006/main">
+  <p:cSld>
+    <p:spTree>
+      <p:nvGrpSpPr>
+        <p:cNvPr id="1" name=""/>
+        <p:cNvGrpSpPr/>
+        <p:nvPr/>
+      </p:nvGrpSpPr>
+      <p:grpSpPr>
+        <a:xfrm>
+          <a:off x="0" y="0"/>
+          <a:ext cx="0" cy="0"/>
+          <a:chOff x="0" y="0"/>
+          <a:chExt cx="0" cy="0"/>
+        </a:xfrm>
+      </p:grpSpPr>
+      <p:sp>
+        <p:nvSpPr>
+          <p:cNvPr id="2" name="Titel 1">
+            <a:extLst>
+              <a:ext uri="{FF2B5EF4-FFF2-40B4-BE49-F238E27FC236}">
                 <a16:creationId xmlns:a16="http://schemas.microsoft.com/office/drawing/2014/main" id="{9C67003D-A81A-4EA8-A096-91F39C8DE4CE}"/>
               </a:ext>
             </a:extLst>
@@ -8375,7 +8538,7 @@
             <a:fld id="{83627DD0-092D-4AD9-AAE0-0513E170352E}" type="datetime1">
               <a:rPr lang="de-DE" smtClean="0"/>
               <a:pPr rtl="0"/>
-              <a:t>02.11.2020</a:t>
+              <a:t>26.12.2020</a:t>
             </a:fld>
             <a:endParaRPr lang="en-US" dirty="0"/>
           </a:p>
@@ -8879,7 +9042,7 @@
 </p:sld>
 </file>
 
-<file path=ppt/slides/slide3.xml><?xml version="1.0" encoding="utf-8"?>
+<file path=ppt/slides/slide4.xml><?xml version="1.0" encoding="utf-8"?>
 <p:sld xmlns:a="http://schemas.openxmlformats.org/drawingml/2006/main" xmlns:r="http://schemas.openxmlformats.org/officeDocument/2006/relationships" xmlns:p="http://schemas.openxmlformats.org/presentationml/2006/main">
   <p:cSld>
     <p:spTree>
@@ -9035,7 +9198,7 @@
             <a:fld id="{83627DD0-092D-4AD9-AAE0-0513E170352E}" type="datetime1">
               <a:rPr lang="de-DE" smtClean="0"/>
               <a:pPr rtl="0"/>
-              <a:t>02.11.2020</a:t>
+              <a:t>26.12.2020</a:t>
             </a:fld>
             <a:endParaRPr lang="en-US" dirty="0"/>
           </a:p>
@@ -9547,7 +9710,7 @@
 </p:sld>
 </file>
 
-<file path=ppt/slides/slide4.xml><?xml version="1.0" encoding="utf-8"?>
+<file path=ppt/slides/slide5.xml><?xml version="1.0" encoding="utf-8"?>
 <p:sld xmlns:a="http://schemas.openxmlformats.org/drawingml/2006/main" xmlns:r="http://schemas.openxmlformats.org/officeDocument/2006/relationships" xmlns:p="http://schemas.openxmlformats.org/presentationml/2006/main">
   <p:cSld>
     <p:spTree>
@@ -10156,7 +10319,7 @@
 </p:sld>
 </file>
 
-<file path=ppt/slides/slide5.xml><?xml version="1.0" encoding="utf-8"?>
+<file path=ppt/slides/slide6.xml><?xml version="1.0" encoding="utf-8"?>
 <p:sld xmlns:a="http://schemas.openxmlformats.org/drawingml/2006/main" xmlns:r="http://schemas.openxmlformats.org/officeDocument/2006/relationships" xmlns:p="http://schemas.openxmlformats.org/presentationml/2006/main">
   <p:cSld>
     <p:spTree>
@@ -10311,7 +10474,7 @@
             <a:fld id="{83627DD0-092D-4AD9-AAE0-0513E170352E}" type="datetime1">
               <a:rPr lang="de-DE" smtClean="0"/>
               <a:pPr rtl="0"/>
-              <a:t>02.11.2020</a:t>
+              <a:t>26.12.2020</a:t>
             </a:fld>
             <a:endParaRPr lang="en-US" dirty="0"/>
           </a:p>
@@ -10430,7 +10593,7 @@
 </p:sld>
 </file>
 
-<file path=ppt/slides/slide6.xml><?xml version="1.0" encoding="utf-8"?>
+<file path=ppt/slides/slide7.xml><?xml version="1.0" encoding="utf-8"?>
 <p:sld xmlns:a="http://schemas.openxmlformats.org/drawingml/2006/main" xmlns:r="http://schemas.openxmlformats.org/officeDocument/2006/relationships" xmlns:p="http://schemas.openxmlformats.org/presentationml/2006/main">
   <p:cSld>
     <p:spTree>
@@ -10508,7 +10671,7 @@
             <a:fld id="{83627DD0-092D-4AD9-AAE0-0513E170352E}" type="datetime1">
               <a:rPr lang="de-DE" smtClean="0"/>
               <a:pPr rtl="0"/>
-              <a:t>02.11.2020</a:t>
+              <a:t>26.12.2020</a:t>
             </a:fld>
             <a:endParaRPr lang="en-US" dirty="0"/>
           </a:p>
